--- a/docs/assets/fractals/hexagons/koch.pptx
+++ b/docs/assets/fractals/hexagons/koch.pptx
@@ -2,16 +2,12 @@
 <file path=ppt/presentation.xml><?xml version="1.0" encoding="utf-8"?>
 <p:presentation xmlns:a="http://schemas.openxmlformats.org/drawingml/2006/main" xmlns:r="http://schemas.openxmlformats.org/officeDocument/2006/relationships" xmlns:p="http://schemas.openxmlformats.org/presentationml/2006/main" saveSubsetFonts="1" autoCompressPictures="0">
   <p:sldMasterIdLst>
-    <p:sldMasterId id="2147483684" r:id="rId1"/>
+    <p:sldMasterId id="2147483660" r:id="rId1"/>
   </p:sldMasterIdLst>
-  <p:notesMasterIdLst>
-    <p:notesMasterId r:id="rId4"/>
-  </p:notesMasterIdLst>
   <p:sldIdLst>
-    <p:sldId id="277" r:id="rId2"/>
-    <p:sldId id="278" r:id="rId3"/>
+    <p:sldId id="256" r:id="rId2"/>
   </p:sldIdLst>
-  <p:sldSz cx="8640763" cy="8640763"/>
+  <p:sldSz cx="8640763" cy="9975850"/>
   <p:notesSz cx="6858000" cy="9144000"/>
   <p:defaultTextStyle>
     <a:defPPr>
@@ -108,459 +104,7 @@
       </a:defRPr>
     </a:lvl9pPr>
   </p:defaultTextStyle>
-  <p:extLst>
-    <p:ext uri="{EFAFB233-063F-42B5-8137-9DF3F51BA10A}">
-      <p15:sldGuideLst xmlns:p15="http://schemas.microsoft.com/office/powerpoint/2012/main"/>
-    </p:ext>
-  </p:extLst>
 </p:presentation>
-</file>
-
-<file path=ppt/notesMasters/notesMaster1.xml><?xml version="1.0" encoding="utf-8"?>
-<p:notesMaster xmlns:a="http://schemas.openxmlformats.org/drawingml/2006/main" xmlns:r="http://schemas.openxmlformats.org/officeDocument/2006/relationships" xmlns:p="http://schemas.openxmlformats.org/presentationml/2006/main">
-  <p:cSld>
-    <p:bg>
-      <p:bgRef idx="1001">
-        <a:schemeClr val="bg1"/>
-      </p:bgRef>
-    </p:bg>
-    <p:spTree>
-      <p:nvGrpSpPr>
-        <p:cNvPr id="1" name=""/>
-        <p:cNvGrpSpPr/>
-        <p:nvPr/>
-      </p:nvGrpSpPr>
-      <p:grpSpPr>
-        <a:xfrm>
-          <a:off x="0" y="0"/>
-          <a:ext cx="0" cy="0"/>
-          <a:chOff x="0" y="0"/>
-          <a:chExt cx="0" cy="0"/>
-        </a:xfrm>
-      </p:grpSpPr>
-      <p:sp>
-        <p:nvSpPr>
-          <p:cNvPr id="2" name="Header Placeholder 1"/>
-          <p:cNvSpPr>
-            <a:spLocks noGrp="1"/>
-          </p:cNvSpPr>
-          <p:nvPr>
-            <p:ph type="hdr" sz="quarter"/>
-          </p:nvPr>
-        </p:nvSpPr>
-        <p:spPr>
-          <a:xfrm>
-            <a:off x="0" y="0"/>
-            <a:ext cx="2971800" cy="458788"/>
-          </a:xfrm>
-          <a:prstGeom prst="rect">
-            <a:avLst/>
-          </a:prstGeom>
-        </p:spPr>
-        <p:txBody>
-          <a:bodyPr vert="horz" lIns="91440" tIns="45720" rIns="91440" bIns="45720" rtlCol="0"/>
-          <a:lstStyle>
-            <a:lvl1pPr algn="l">
-              <a:defRPr sz="1200"/>
-            </a:lvl1pPr>
-          </a:lstStyle>
-          <a:p>
-            <a:endParaRPr lang="en-GB"/>
-          </a:p>
-        </p:txBody>
-      </p:sp>
-      <p:sp>
-        <p:nvSpPr>
-          <p:cNvPr id="3" name="Date Placeholder 2"/>
-          <p:cNvSpPr>
-            <a:spLocks noGrp="1"/>
-          </p:cNvSpPr>
-          <p:nvPr>
-            <p:ph type="dt" idx="1"/>
-          </p:nvPr>
-        </p:nvSpPr>
-        <p:spPr>
-          <a:xfrm>
-            <a:off x="3884613" y="0"/>
-            <a:ext cx="2971800" cy="458788"/>
-          </a:xfrm>
-          <a:prstGeom prst="rect">
-            <a:avLst/>
-          </a:prstGeom>
-        </p:spPr>
-        <p:txBody>
-          <a:bodyPr vert="horz" lIns="91440" tIns="45720" rIns="91440" bIns="45720" rtlCol="0"/>
-          <a:lstStyle>
-            <a:lvl1pPr algn="r">
-              <a:defRPr sz="1200"/>
-            </a:lvl1pPr>
-          </a:lstStyle>
-          <a:p>
-            <a:fld id="{0684AC93-7189-1744-9C48-4518A27325FE}" type="datetimeFigureOut">
-              <a:rPr lang="en-GB" smtClean="0"/>
-              <a:t>07/07/2024</a:t>
-            </a:fld>
-            <a:endParaRPr lang="en-GB"/>
-          </a:p>
-        </p:txBody>
-      </p:sp>
-      <p:sp>
-        <p:nvSpPr>
-          <p:cNvPr id="4" name="Slide Image Placeholder 3"/>
-          <p:cNvSpPr>
-            <a:spLocks noGrp="1" noRot="1" noChangeAspect="1"/>
-          </p:cNvSpPr>
-          <p:nvPr>
-            <p:ph type="sldImg" idx="2"/>
-          </p:nvPr>
-        </p:nvSpPr>
-        <p:spPr>
-          <a:xfrm>
-            <a:off x="1885950" y="1143000"/>
-            <a:ext cx="3086100" cy="3086100"/>
-          </a:xfrm>
-          <a:prstGeom prst="rect">
-            <a:avLst/>
-          </a:prstGeom>
-          <a:noFill/>
-          <a:ln w="12700">
-            <a:solidFill>
-              <a:prstClr val="black"/>
-            </a:solidFill>
-          </a:ln>
-        </p:spPr>
-        <p:txBody>
-          <a:bodyPr vert="horz" lIns="91440" tIns="45720" rIns="91440" bIns="45720" rtlCol="0" anchor="ctr"/>
-          <a:lstStyle/>
-          <a:p>
-            <a:endParaRPr lang="en-GB"/>
-          </a:p>
-        </p:txBody>
-      </p:sp>
-      <p:sp>
-        <p:nvSpPr>
-          <p:cNvPr id="5" name="Notes Placeholder 4"/>
-          <p:cNvSpPr>
-            <a:spLocks noGrp="1"/>
-          </p:cNvSpPr>
-          <p:nvPr>
-            <p:ph type="body" sz="quarter" idx="3"/>
-          </p:nvPr>
-        </p:nvSpPr>
-        <p:spPr>
-          <a:xfrm>
-            <a:off x="685800" y="4400550"/>
-            <a:ext cx="5486400" cy="3600450"/>
-          </a:xfrm>
-          <a:prstGeom prst="rect">
-            <a:avLst/>
-          </a:prstGeom>
-        </p:spPr>
-        <p:txBody>
-          <a:bodyPr vert="horz" lIns="91440" tIns="45720" rIns="91440" bIns="45720" rtlCol="0"/>
-          <a:lstStyle/>
-          <a:p>
-            <a:pPr lvl="0"/>
-            <a:r>
-              <a:rPr lang="en-GB"/>
-              <a:t>Click to edit Master text styles</a:t>
-            </a:r>
-          </a:p>
-          <a:p>
-            <a:pPr lvl="1"/>
-            <a:r>
-              <a:rPr lang="en-GB"/>
-              <a:t>Second level</a:t>
-            </a:r>
-          </a:p>
-          <a:p>
-            <a:pPr lvl="2"/>
-            <a:r>
-              <a:rPr lang="en-GB"/>
-              <a:t>Third level</a:t>
-            </a:r>
-          </a:p>
-          <a:p>
-            <a:pPr lvl="3"/>
-            <a:r>
-              <a:rPr lang="en-GB"/>
-              <a:t>Fourth level</a:t>
-            </a:r>
-          </a:p>
-          <a:p>
-            <a:pPr lvl="4"/>
-            <a:r>
-              <a:rPr lang="en-GB"/>
-              <a:t>Fifth level</a:t>
-            </a:r>
-          </a:p>
-        </p:txBody>
-      </p:sp>
-      <p:sp>
-        <p:nvSpPr>
-          <p:cNvPr id="6" name="Footer Placeholder 5"/>
-          <p:cNvSpPr>
-            <a:spLocks noGrp="1"/>
-          </p:cNvSpPr>
-          <p:nvPr>
-            <p:ph type="ftr" sz="quarter" idx="4"/>
-          </p:nvPr>
-        </p:nvSpPr>
-        <p:spPr>
-          <a:xfrm>
-            <a:off x="0" y="8685213"/>
-            <a:ext cx="2971800" cy="458787"/>
-          </a:xfrm>
-          <a:prstGeom prst="rect">
-            <a:avLst/>
-          </a:prstGeom>
-        </p:spPr>
-        <p:txBody>
-          <a:bodyPr vert="horz" lIns="91440" tIns="45720" rIns="91440" bIns="45720" rtlCol="0" anchor="b"/>
-          <a:lstStyle>
-            <a:lvl1pPr algn="l">
-              <a:defRPr sz="1200"/>
-            </a:lvl1pPr>
-          </a:lstStyle>
-          <a:p>
-            <a:endParaRPr lang="en-GB"/>
-          </a:p>
-        </p:txBody>
-      </p:sp>
-      <p:sp>
-        <p:nvSpPr>
-          <p:cNvPr id="7" name="Slide Number Placeholder 6"/>
-          <p:cNvSpPr>
-            <a:spLocks noGrp="1"/>
-          </p:cNvSpPr>
-          <p:nvPr>
-            <p:ph type="sldNum" sz="quarter" idx="5"/>
-          </p:nvPr>
-        </p:nvSpPr>
-        <p:spPr>
-          <a:xfrm>
-            <a:off x="3884613" y="8685213"/>
-            <a:ext cx="2971800" cy="458787"/>
-          </a:xfrm>
-          <a:prstGeom prst="rect">
-            <a:avLst/>
-          </a:prstGeom>
-        </p:spPr>
-        <p:txBody>
-          <a:bodyPr vert="horz" lIns="91440" tIns="45720" rIns="91440" bIns="45720" rtlCol="0" anchor="b"/>
-          <a:lstStyle>
-            <a:lvl1pPr algn="r">
-              <a:defRPr sz="1200"/>
-            </a:lvl1pPr>
-          </a:lstStyle>
-          <a:p>
-            <a:fld id="{579F9CFB-B9AD-DC4B-8872-606D528A30E0}" type="slidenum">
-              <a:rPr lang="en-GB" smtClean="0"/>
-              <a:t>‹#›</a:t>
-            </a:fld>
-            <a:endParaRPr lang="en-GB"/>
-          </a:p>
-        </p:txBody>
-      </p:sp>
-    </p:spTree>
-    <p:extLst>
-      <p:ext uri="{BB962C8B-B14F-4D97-AF65-F5344CB8AC3E}">
-        <p14:creationId xmlns:p14="http://schemas.microsoft.com/office/powerpoint/2010/main" val="3048614035"/>
-      </p:ext>
-    </p:extLst>
-  </p:cSld>
-  <p:clrMap bg1="lt1" tx1="dk1" bg2="lt2" tx2="dk2" accent1="accent1" accent2="accent2" accent3="accent3" accent4="accent4" accent5="accent5" accent6="accent6" hlink="hlink" folHlink="folHlink"/>
-  <p:notesStyle>
-    <a:lvl1pPr marL="0" algn="l" defTabSz="1097463" rtl="0" eaLnBrk="1" latinLnBrk="0" hangingPunct="1">
-      <a:defRPr sz="1440" kern="1200">
-        <a:solidFill>
-          <a:schemeClr val="tx1"/>
-        </a:solidFill>
-        <a:latin typeface="+mn-lt"/>
-        <a:ea typeface="+mn-ea"/>
-        <a:cs typeface="+mn-cs"/>
-      </a:defRPr>
-    </a:lvl1pPr>
-    <a:lvl2pPr marL="548731" algn="l" defTabSz="1097463" rtl="0" eaLnBrk="1" latinLnBrk="0" hangingPunct="1">
-      <a:defRPr sz="1440" kern="1200">
-        <a:solidFill>
-          <a:schemeClr val="tx1"/>
-        </a:solidFill>
-        <a:latin typeface="+mn-lt"/>
-        <a:ea typeface="+mn-ea"/>
-        <a:cs typeface="+mn-cs"/>
-      </a:defRPr>
-    </a:lvl2pPr>
-    <a:lvl3pPr marL="1097463" algn="l" defTabSz="1097463" rtl="0" eaLnBrk="1" latinLnBrk="0" hangingPunct="1">
-      <a:defRPr sz="1440" kern="1200">
-        <a:solidFill>
-          <a:schemeClr val="tx1"/>
-        </a:solidFill>
-        <a:latin typeface="+mn-lt"/>
-        <a:ea typeface="+mn-ea"/>
-        <a:cs typeface="+mn-cs"/>
-      </a:defRPr>
-    </a:lvl3pPr>
-    <a:lvl4pPr marL="1646194" algn="l" defTabSz="1097463" rtl="0" eaLnBrk="1" latinLnBrk="0" hangingPunct="1">
-      <a:defRPr sz="1440" kern="1200">
-        <a:solidFill>
-          <a:schemeClr val="tx1"/>
-        </a:solidFill>
-        <a:latin typeface="+mn-lt"/>
-        <a:ea typeface="+mn-ea"/>
-        <a:cs typeface="+mn-cs"/>
-      </a:defRPr>
-    </a:lvl4pPr>
-    <a:lvl5pPr marL="2194926" algn="l" defTabSz="1097463" rtl="0" eaLnBrk="1" latinLnBrk="0" hangingPunct="1">
-      <a:defRPr sz="1440" kern="1200">
-        <a:solidFill>
-          <a:schemeClr val="tx1"/>
-        </a:solidFill>
-        <a:latin typeface="+mn-lt"/>
-        <a:ea typeface="+mn-ea"/>
-        <a:cs typeface="+mn-cs"/>
-      </a:defRPr>
-    </a:lvl5pPr>
-    <a:lvl6pPr marL="2743657" algn="l" defTabSz="1097463" rtl="0" eaLnBrk="1" latinLnBrk="0" hangingPunct="1">
-      <a:defRPr sz="1440" kern="1200">
-        <a:solidFill>
-          <a:schemeClr val="tx1"/>
-        </a:solidFill>
-        <a:latin typeface="+mn-lt"/>
-        <a:ea typeface="+mn-ea"/>
-        <a:cs typeface="+mn-cs"/>
-      </a:defRPr>
-    </a:lvl6pPr>
-    <a:lvl7pPr marL="3292389" algn="l" defTabSz="1097463" rtl="0" eaLnBrk="1" latinLnBrk="0" hangingPunct="1">
-      <a:defRPr sz="1440" kern="1200">
-        <a:solidFill>
-          <a:schemeClr val="tx1"/>
-        </a:solidFill>
-        <a:latin typeface="+mn-lt"/>
-        <a:ea typeface="+mn-ea"/>
-        <a:cs typeface="+mn-cs"/>
-      </a:defRPr>
-    </a:lvl7pPr>
-    <a:lvl8pPr marL="3841120" algn="l" defTabSz="1097463" rtl="0" eaLnBrk="1" latinLnBrk="0" hangingPunct="1">
-      <a:defRPr sz="1440" kern="1200">
-        <a:solidFill>
-          <a:schemeClr val="tx1"/>
-        </a:solidFill>
-        <a:latin typeface="+mn-lt"/>
-        <a:ea typeface="+mn-ea"/>
-        <a:cs typeface="+mn-cs"/>
-      </a:defRPr>
-    </a:lvl8pPr>
-    <a:lvl9pPr marL="4389852" algn="l" defTabSz="1097463" rtl="0" eaLnBrk="1" latinLnBrk="0" hangingPunct="1">
-      <a:defRPr sz="1440" kern="1200">
-        <a:solidFill>
-          <a:schemeClr val="tx1"/>
-        </a:solidFill>
-        <a:latin typeface="+mn-lt"/>
-        <a:ea typeface="+mn-ea"/>
-        <a:cs typeface="+mn-cs"/>
-      </a:defRPr>
-    </a:lvl9pPr>
-  </p:notesStyle>
-</p:notesMaster>
-</file>
-
-<file path=ppt/notesSlides/notesSlide1.xml><?xml version="1.0" encoding="utf-8"?>
-<p:notes xmlns:a="http://schemas.openxmlformats.org/drawingml/2006/main" xmlns:r="http://schemas.openxmlformats.org/officeDocument/2006/relationships" xmlns:p="http://schemas.openxmlformats.org/presentationml/2006/main">
-  <p:cSld>
-    <p:spTree>
-      <p:nvGrpSpPr>
-        <p:cNvPr id="1" name=""/>
-        <p:cNvGrpSpPr/>
-        <p:nvPr/>
-      </p:nvGrpSpPr>
-      <p:grpSpPr>
-        <a:xfrm>
-          <a:off x="0" y="0"/>
-          <a:ext cx="0" cy="0"/>
-          <a:chOff x="0" y="0"/>
-          <a:chExt cx="0" cy="0"/>
-        </a:xfrm>
-      </p:grpSpPr>
-      <p:sp>
-        <p:nvSpPr>
-          <p:cNvPr id="2" name="Slide Image Placeholder 1"/>
-          <p:cNvSpPr>
-            <a:spLocks noGrp="1" noRot="1" noChangeAspect="1"/>
-          </p:cNvSpPr>
-          <p:nvPr>
-            <p:ph type="sldImg"/>
-          </p:nvPr>
-        </p:nvSpPr>
-        <p:spPr>
-          <a:xfrm>
-            <a:off x="1885950" y="1143000"/>
-            <a:ext cx="3086100" cy="3086100"/>
-          </a:xfrm>
-        </p:spPr>
-      </p:sp>
-      <p:sp>
-        <p:nvSpPr>
-          <p:cNvPr id="3" name="Notes Placeholder 2"/>
-          <p:cNvSpPr>
-            <a:spLocks noGrp="1"/>
-          </p:cNvSpPr>
-          <p:nvPr>
-            <p:ph type="body" idx="1"/>
-          </p:nvPr>
-        </p:nvSpPr>
-        <p:spPr/>
-        <p:txBody>
-          <a:bodyPr/>
-          <a:lstStyle/>
-          <a:p>
-            <a:r>
-              <a:rPr lang="en-US" dirty="0"/>
-              <a:t>Koch snowflake (also known as Koch star or Koch island – the outline is known as the Koch curve)</a:t>
-            </a:r>
-          </a:p>
-          <a:p>
-            <a:r>
-              <a:rPr lang="en-US" dirty="0"/>
-              <a:t>Outline: D = log(4) / log(3) = 1.2618595071, Area: log(8.5) / log(3) = 1.9479721696 (?)</a:t>
-            </a:r>
-          </a:p>
-        </p:txBody>
-      </p:sp>
-      <p:sp>
-        <p:nvSpPr>
-          <p:cNvPr id="4" name="Slide Number Placeholder 3"/>
-          <p:cNvSpPr>
-            <a:spLocks noGrp="1"/>
-          </p:cNvSpPr>
-          <p:nvPr>
-            <p:ph type="sldNum" sz="quarter" idx="5"/>
-          </p:nvPr>
-        </p:nvSpPr>
-        <p:spPr/>
-        <p:txBody>
-          <a:bodyPr/>
-          <a:lstStyle/>
-          <a:p>
-            <a:fld id="{825676C3-AF84-0440-9FDE-505F611B6232}" type="slidenum">
-              <a:rPr lang="en-GB" smtClean="0"/>
-              <a:t>1</a:t>
-            </a:fld>
-            <a:endParaRPr lang="en-GB"/>
-          </a:p>
-        </p:txBody>
-      </p:sp>
-    </p:spTree>
-    <p:extLst>
-      <p:ext uri="{BB962C8B-B14F-4D97-AF65-F5344CB8AC3E}">
-        <p14:creationId xmlns:p14="http://schemas.microsoft.com/office/powerpoint/2010/main" val="2790205938"/>
-      </p:ext>
-    </p:extLst>
-  </p:cSld>
-  <p:clrMapOvr>
-    <a:masterClrMapping/>
-  </p:clrMapOvr>
-</p:notes>
 </file>
 
 <file path=ppt/slideLayouts/slideLayout1.xml><?xml version="1.0" encoding="utf-8"?>
@@ -592,8 +136,8 @@
         </p:nvSpPr>
         <p:spPr>
           <a:xfrm>
-            <a:off x="648057" y="1414125"/>
-            <a:ext cx="7344649" cy="3008266"/>
+            <a:off x="648057" y="1632622"/>
+            <a:ext cx="7344649" cy="3473074"/>
           </a:xfrm>
         </p:spPr>
         <p:txBody>
@@ -624,8 +168,8 @@
         </p:nvSpPr>
         <p:spPr>
           <a:xfrm>
-            <a:off x="1080096" y="4538401"/>
-            <a:ext cx="6480572" cy="2086184"/>
+            <a:off x="1080096" y="5239631"/>
+            <a:ext cx="6480572" cy="2408520"/>
           </a:xfrm>
         </p:spPr>
         <p:txBody>
@@ -692,9 +236,9 @@
           <a:bodyPr/>
           <a:lstStyle/>
           <a:p>
-            <a:fld id="{D461FEA6-851A-B64E-BB9B-ABA8F978BA5D}" type="datetimeFigureOut">
+            <a:fld id="{6A4D14BE-FD11-274C-8F7B-CD7422653215}" type="datetimeFigureOut">
               <a:rPr lang="en-GB" smtClean="0"/>
-              <a:t>07/07/2024</a:t>
+              <a:t>23/08/2024</a:t>
             </a:fld>
             <a:endParaRPr lang="en-GB"/>
           </a:p>
@@ -734,7 +278,7 @@
           <a:bodyPr/>
           <a:lstStyle/>
           <a:p>
-            <a:fld id="{3C140E4C-844A-7844-80E0-F5C1B6BE3070}" type="slidenum">
+            <a:fld id="{20B7E225-42CA-B346-835D-08490EECB1F3}" type="slidenum">
               <a:rPr lang="en-GB" smtClean="0"/>
               <a:t>‹#›</a:t>
             </a:fld>
@@ -745,7 +289,7 @@
     </p:spTree>
     <p:extLst>
       <p:ext uri="{BB962C8B-B14F-4D97-AF65-F5344CB8AC3E}">
-        <p14:creationId xmlns:p14="http://schemas.microsoft.com/office/powerpoint/2010/main" val="2864820529"/>
+        <p14:creationId xmlns:p14="http://schemas.microsoft.com/office/powerpoint/2010/main" val="1667663087"/>
       </p:ext>
     </p:extLst>
   </p:cSld>
@@ -862,9 +406,9 @@
           <a:bodyPr/>
           <a:lstStyle/>
           <a:p>
-            <a:fld id="{D461FEA6-851A-B64E-BB9B-ABA8F978BA5D}" type="datetimeFigureOut">
+            <a:fld id="{6A4D14BE-FD11-274C-8F7B-CD7422653215}" type="datetimeFigureOut">
               <a:rPr lang="en-GB" smtClean="0"/>
-              <a:t>07/07/2024</a:t>
+              <a:t>23/08/2024</a:t>
             </a:fld>
             <a:endParaRPr lang="en-GB"/>
           </a:p>
@@ -904,7 +448,7 @@
           <a:bodyPr/>
           <a:lstStyle/>
           <a:p>
-            <a:fld id="{3C140E4C-844A-7844-80E0-F5C1B6BE3070}" type="slidenum">
+            <a:fld id="{20B7E225-42CA-B346-835D-08490EECB1F3}" type="slidenum">
               <a:rPr lang="en-GB" smtClean="0"/>
               <a:t>‹#›</a:t>
             </a:fld>
@@ -915,7 +459,7 @@
     </p:spTree>
     <p:extLst>
       <p:ext uri="{BB962C8B-B14F-4D97-AF65-F5344CB8AC3E}">
-        <p14:creationId xmlns:p14="http://schemas.microsoft.com/office/powerpoint/2010/main" val="2239903182"/>
+        <p14:creationId xmlns:p14="http://schemas.microsoft.com/office/powerpoint/2010/main" val="3513368565"/>
       </p:ext>
     </p:extLst>
   </p:cSld>
@@ -954,8 +498,8 @@
         </p:nvSpPr>
         <p:spPr>
           <a:xfrm>
-            <a:off x="6183546" y="460041"/>
-            <a:ext cx="1863165" cy="7322647"/>
+            <a:off x="6183546" y="531122"/>
+            <a:ext cx="1863165" cy="8454072"/>
           </a:xfrm>
         </p:spPr>
         <p:txBody>
@@ -982,8 +526,8 @@
         </p:nvSpPr>
         <p:spPr>
           <a:xfrm>
-            <a:off x="594053" y="460041"/>
-            <a:ext cx="5481484" cy="7322647"/>
+            <a:off x="594053" y="531122"/>
+            <a:ext cx="5481484" cy="8454072"/>
           </a:xfrm>
         </p:spPr>
         <p:txBody>
@@ -1042,9 +586,9 @@
           <a:bodyPr/>
           <a:lstStyle/>
           <a:p>
-            <a:fld id="{D461FEA6-851A-B64E-BB9B-ABA8F978BA5D}" type="datetimeFigureOut">
+            <a:fld id="{6A4D14BE-FD11-274C-8F7B-CD7422653215}" type="datetimeFigureOut">
               <a:rPr lang="en-GB" smtClean="0"/>
-              <a:t>07/07/2024</a:t>
+              <a:t>23/08/2024</a:t>
             </a:fld>
             <a:endParaRPr lang="en-GB"/>
           </a:p>
@@ -1084,7 +628,7 @@
           <a:bodyPr/>
           <a:lstStyle/>
           <a:p>
-            <a:fld id="{3C140E4C-844A-7844-80E0-F5C1B6BE3070}" type="slidenum">
+            <a:fld id="{20B7E225-42CA-B346-835D-08490EECB1F3}" type="slidenum">
               <a:rPr lang="en-GB" smtClean="0"/>
               <a:t>‹#›</a:t>
             </a:fld>
@@ -1095,7 +639,7 @@
     </p:spTree>
     <p:extLst>
       <p:ext uri="{BB962C8B-B14F-4D97-AF65-F5344CB8AC3E}">
-        <p14:creationId xmlns:p14="http://schemas.microsoft.com/office/powerpoint/2010/main" val="2197067806"/>
+        <p14:creationId xmlns:p14="http://schemas.microsoft.com/office/powerpoint/2010/main" val="1194005114"/>
       </p:ext>
     </p:extLst>
   </p:cSld>
@@ -1212,9 +756,9 @@
           <a:bodyPr/>
           <a:lstStyle/>
           <a:p>
-            <a:fld id="{D461FEA6-851A-B64E-BB9B-ABA8F978BA5D}" type="datetimeFigureOut">
+            <a:fld id="{6A4D14BE-FD11-274C-8F7B-CD7422653215}" type="datetimeFigureOut">
               <a:rPr lang="en-GB" smtClean="0"/>
-              <a:t>07/07/2024</a:t>
+              <a:t>23/08/2024</a:t>
             </a:fld>
             <a:endParaRPr lang="en-GB"/>
           </a:p>
@@ -1254,7 +798,7 @@
           <a:bodyPr/>
           <a:lstStyle/>
           <a:p>
-            <a:fld id="{3C140E4C-844A-7844-80E0-F5C1B6BE3070}" type="slidenum">
+            <a:fld id="{20B7E225-42CA-B346-835D-08490EECB1F3}" type="slidenum">
               <a:rPr lang="en-GB" smtClean="0"/>
               <a:t>‹#›</a:t>
             </a:fld>
@@ -1265,7 +809,7 @@
     </p:spTree>
     <p:extLst>
       <p:ext uri="{BB962C8B-B14F-4D97-AF65-F5344CB8AC3E}">
-        <p14:creationId xmlns:p14="http://schemas.microsoft.com/office/powerpoint/2010/main" val="2114896270"/>
+        <p14:creationId xmlns:p14="http://schemas.microsoft.com/office/powerpoint/2010/main" val="150631918"/>
       </p:ext>
     </p:extLst>
   </p:cSld>
@@ -1304,8 +848,8 @@
         </p:nvSpPr>
         <p:spPr>
           <a:xfrm>
-            <a:off x="589553" y="2154193"/>
-            <a:ext cx="7452658" cy="3594317"/>
+            <a:off x="589553" y="2487038"/>
+            <a:ext cx="7452658" cy="4149676"/>
           </a:xfrm>
         </p:spPr>
         <p:txBody>
@@ -1336,8 +880,8 @@
         </p:nvSpPr>
         <p:spPr>
           <a:xfrm>
-            <a:off x="589553" y="5782513"/>
-            <a:ext cx="7452658" cy="1890166"/>
+            <a:off x="589553" y="6675971"/>
+            <a:ext cx="7452658" cy="2182216"/>
           </a:xfrm>
         </p:spPr>
         <p:txBody>
@@ -1456,9 +1000,9 @@
           <a:bodyPr/>
           <a:lstStyle/>
           <a:p>
-            <a:fld id="{D461FEA6-851A-B64E-BB9B-ABA8F978BA5D}" type="datetimeFigureOut">
+            <a:fld id="{6A4D14BE-FD11-274C-8F7B-CD7422653215}" type="datetimeFigureOut">
               <a:rPr lang="en-GB" smtClean="0"/>
-              <a:t>07/07/2024</a:t>
+              <a:t>23/08/2024</a:t>
             </a:fld>
             <a:endParaRPr lang="en-GB"/>
           </a:p>
@@ -1498,7 +1042,7 @@
           <a:bodyPr/>
           <a:lstStyle/>
           <a:p>
-            <a:fld id="{3C140E4C-844A-7844-80E0-F5C1B6BE3070}" type="slidenum">
+            <a:fld id="{20B7E225-42CA-B346-835D-08490EECB1F3}" type="slidenum">
               <a:rPr lang="en-GB" smtClean="0"/>
               <a:t>‹#›</a:t>
             </a:fld>
@@ -1509,7 +1053,7 @@
     </p:spTree>
     <p:extLst>
       <p:ext uri="{BB962C8B-B14F-4D97-AF65-F5344CB8AC3E}">
-        <p14:creationId xmlns:p14="http://schemas.microsoft.com/office/powerpoint/2010/main" val="3078004336"/>
+        <p14:creationId xmlns:p14="http://schemas.microsoft.com/office/powerpoint/2010/main" val="1030771344"/>
       </p:ext>
     </p:extLst>
   </p:cSld>
@@ -1571,8 +1115,8 @@
         </p:nvSpPr>
         <p:spPr>
           <a:xfrm>
-            <a:off x="594053" y="2300203"/>
-            <a:ext cx="3672324" cy="5482485"/>
+            <a:off x="594053" y="2655608"/>
+            <a:ext cx="3672324" cy="6329585"/>
           </a:xfrm>
         </p:spPr>
         <p:txBody>
@@ -1628,8 +1172,8 @@
         </p:nvSpPr>
         <p:spPr>
           <a:xfrm>
-            <a:off x="4374386" y="2300203"/>
-            <a:ext cx="3672324" cy="5482485"/>
+            <a:off x="4374386" y="2655608"/>
+            <a:ext cx="3672324" cy="6329585"/>
           </a:xfrm>
         </p:spPr>
         <p:txBody>
@@ -1688,9 +1232,9 @@
           <a:bodyPr/>
           <a:lstStyle/>
           <a:p>
-            <a:fld id="{D461FEA6-851A-B64E-BB9B-ABA8F978BA5D}" type="datetimeFigureOut">
+            <a:fld id="{6A4D14BE-FD11-274C-8F7B-CD7422653215}" type="datetimeFigureOut">
               <a:rPr lang="en-GB" smtClean="0"/>
-              <a:t>07/07/2024</a:t>
+              <a:t>23/08/2024</a:t>
             </a:fld>
             <a:endParaRPr lang="en-GB"/>
           </a:p>
@@ -1730,7 +1274,7 @@
           <a:bodyPr/>
           <a:lstStyle/>
           <a:p>
-            <a:fld id="{3C140E4C-844A-7844-80E0-F5C1B6BE3070}" type="slidenum">
+            <a:fld id="{20B7E225-42CA-B346-835D-08490EECB1F3}" type="slidenum">
               <a:rPr lang="en-GB" smtClean="0"/>
               <a:t>‹#›</a:t>
             </a:fld>
@@ -1741,7 +1285,7 @@
     </p:spTree>
     <p:extLst>
       <p:ext uri="{BB962C8B-B14F-4D97-AF65-F5344CB8AC3E}">
-        <p14:creationId xmlns:p14="http://schemas.microsoft.com/office/powerpoint/2010/main" val="396139500"/>
+        <p14:creationId xmlns:p14="http://schemas.microsoft.com/office/powerpoint/2010/main" val="3157208931"/>
       </p:ext>
     </p:extLst>
   </p:cSld>
@@ -1780,8 +1324,8 @@
         </p:nvSpPr>
         <p:spPr>
           <a:xfrm>
-            <a:off x="595178" y="460043"/>
-            <a:ext cx="7452658" cy="1670148"/>
+            <a:off x="595178" y="531124"/>
+            <a:ext cx="7452658" cy="1928203"/>
           </a:xfrm>
         </p:spPr>
         <p:txBody>
@@ -1808,8 +1352,8 @@
         </p:nvSpPr>
         <p:spPr>
           <a:xfrm>
-            <a:off x="595179" y="2118188"/>
-            <a:ext cx="3655447" cy="1038091"/>
+            <a:off x="595179" y="2445469"/>
+            <a:ext cx="3655447" cy="1198487"/>
           </a:xfrm>
         </p:spPr>
         <p:txBody>
@@ -1873,8 +1417,8 @@
         </p:nvSpPr>
         <p:spPr>
           <a:xfrm>
-            <a:off x="595179" y="3156278"/>
-            <a:ext cx="3655447" cy="4642411"/>
+            <a:off x="595179" y="3643956"/>
+            <a:ext cx="3655447" cy="5359711"/>
           </a:xfrm>
         </p:spPr>
         <p:txBody>
@@ -1930,8 +1474,8 @@
         </p:nvSpPr>
         <p:spPr>
           <a:xfrm>
-            <a:off x="4374387" y="2118188"/>
-            <a:ext cx="3673450" cy="1038091"/>
+            <a:off x="4374387" y="2445469"/>
+            <a:ext cx="3673450" cy="1198487"/>
           </a:xfrm>
         </p:spPr>
         <p:txBody>
@@ -1995,8 +1539,8 @@
         </p:nvSpPr>
         <p:spPr>
           <a:xfrm>
-            <a:off x="4374387" y="3156278"/>
-            <a:ext cx="3673450" cy="4642411"/>
+            <a:off x="4374387" y="3643956"/>
+            <a:ext cx="3673450" cy="5359711"/>
           </a:xfrm>
         </p:spPr>
         <p:txBody>
@@ -2055,9 +1599,9 @@
           <a:bodyPr/>
           <a:lstStyle/>
           <a:p>
-            <a:fld id="{D461FEA6-851A-B64E-BB9B-ABA8F978BA5D}" type="datetimeFigureOut">
+            <a:fld id="{6A4D14BE-FD11-274C-8F7B-CD7422653215}" type="datetimeFigureOut">
               <a:rPr lang="en-GB" smtClean="0"/>
-              <a:t>07/07/2024</a:t>
+              <a:t>23/08/2024</a:t>
             </a:fld>
             <a:endParaRPr lang="en-GB"/>
           </a:p>
@@ -2097,7 +1641,7 @@
           <a:bodyPr/>
           <a:lstStyle/>
           <a:p>
-            <a:fld id="{3C140E4C-844A-7844-80E0-F5C1B6BE3070}" type="slidenum">
+            <a:fld id="{20B7E225-42CA-B346-835D-08490EECB1F3}" type="slidenum">
               <a:rPr lang="en-GB" smtClean="0"/>
               <a:t>‹#›</a:t>
             </a:fld>
@@ -2108,7 +1652,7 @@
     </p:spTree>
     <p:extLst>
       <p:ext uri="{BB962C8B-B14F-4D97-AF65-F5344CB8AC3E}">
-        <p14:creationId xmlns:p14="http://schemas.microsoft.com/office/powerpoint/2010/main" val="1106882340"/>
+        <p14:creationId xmlns:p14="http://schemas.microsoft.com/office/powerpoint/2010/main" val="2197868524"/>
       </p:ext>
     </p:extLst>
   </p:cSld>
@@ -2173,9 +1717,9 @@
           <a:bodyPr/>
           <a:lstStyle/>
           <a:p>
-            <a:fld id="{D461FEA6-851A-B64E-BB9B-ABA8F978BA5D}" type="datetimeFigureOut">
+            <a:fld id="{6A4D14BE-FD11-274C-8F7B-CD7422653215}" type="datetimeFigureOut">
               <a:rPr lang="en-GB" smtClean="0"/>
-              <a:t>07/07/2024</a:t>
+              <a:t>23/08/2024</a:t>
             </a:fld>
             <a:endParaRPr lang="en-GB"/>
           </a:p>
@@ -2215,7 +1759,7 @@
           <a:bodyPr/>
           <a:lstStyle/>
           <a:p>
-            <a:fld id="{3C140E4C-844A-7844-80E0-F5C1B6BE3070}" type="slidenum">
+            <a:fld id="{20B7E225-42CA-B346-835D-08490EECB1F3}" type="slidenum">
               <a:rPr lang="en-GB" smtClean="0"/>
               <a:t>‹#›</a:t>
             </a:fld>
@@ -2226,7 +1770,7 @@
     </p:spTree>
     <p:extLst>
       <p:ext uri="{BB962C8B-B14F-4D97-AF65-F5344CB8AC3E}">
-        <p14:creationId xmlns:p14="http://schemas.microsoft.com/office/powerpoint/2010/main" val="610863522"/>
+        <p14:creationId xmlns:p14="http://schemas.microsoft.com/office/powerpoint/2010/main" val="3656484776"/>
       </p:ext>
     </p:extLst>
   </p:cSld>
@@ -2268,9 +1812,9 @@
           <a:bodyPr/>
           <a:lstStyle/>
           <a:p>
-            <a:fld id="{D461FEA6-851A-B64E-BB9B-ABA8F978BA5D}" type="datetimeFigureOut">
+            <a:fld id="{6A4D14BE-FD11-274C-8F7B-CD7422653215}" type="datetimeFigureOut">
               <a:rPr lang="en-GB" smtClean="0"/>
-              <a:t>07/07/2024</a:t>
+              <a:t>23/08/2024</a:t>
             </a:fld>
             <a:endParaRPr lang="en-GB"/>
           </a:p>
@@ -2310,7 +1854,7 @@
           <a:bodyPr/>
           <a:lstStyle/>
           <a:p>
-            <a:fld id="{3C140E4C-844A-7844-80E0-F5C1B6BE3070}" type="slidenum">
+            <a:fld id="{20B7E225-42CA-B346-835D-08490EECB1F3}" type="slidenum">
               <a:rPr lang="en-GB" smtClean="0"/>
               <a:t>‹#›</a:t>
             </a:fld>
@@ -2321,7 +1865,7 @@
     </p:spTree>
     <p:extLst>
       <p:ext uri="{BB962C8B-B14F-4D97-AF65-F5344CB8AC3E}">
-        <p14:creationId xmlns:p14="http://schemas.microsoft.com/office/powerpoint/2010/main" val="766976846"/>
+        <p14:creationId xmlns:p14="http://schemas.microsoft.com/office/powerpoint/2010/main" val="3788959734"/>
       </p:ext>
     </p:extLst>
   </p:cSld>
@@ -2360,8 +1904,8 @@
         </p:nvSpPr>
         <p:spPr>
           <a:xfrm>
-            <a:off x="595178" y="576051"/>
-            <a:ext cx="2786871" cy="2016178"/>
+            <a:off x="595178" y="665057"/>
+            <a:ext cx="2786871" cy="2327698"/>
           </a:xfrm>
         </p:spPr>
         <p:txBody>
@@ -2392,8 +1936,8 @@
         </p:nvSpPr>
         <p:spPr>
           <a:xfrm>
-            <a:off x="3673450" y="1244112"/>
-            <a:ext cx="4374386" cy="6140542"/>
+            <a:off x="3673450" y="1436340"/>
+            <a:ext cx="4374386" cy="7089319"/>
           </a:xfrm>
         </p:spPr>
         <p:txBody>
@@ -2477,8 +2021,8 @@
         </p:nvSpPr>
         <p:spPr>
           <a:xfrm>
-            <a:off x="595178" y="2592229"/>
-            <a:ext cx="2786871" cy="4802425"/>
+            <a:off x="595178" y="2992755"/>
+            <a:ext cx="2786871" cy="5544449"/>
           </a:xfrm>
         </p:spPr>
         <p:txBody>
@@ -2545,9 +2089,9 @@
           <a:bodyPr/>
           <a:lstStyle/>
           <a:p>
-            <a:fld id="{D461FEA6-851A-B64E-BB9B-ABA8F978BA5D}" type="datetimeFigureOut">
+            <a:fld id="{6A4D14BE-FD11-274C-8F7B-CD7422653215}" type="datetimeFigureOut">
               <a:rPr lang="en-GB" smtClean="0"/>
-              <a:t>07/07/2024</a:t>
+              <a:t>23/08/2024</a:t>
             </a:fld>
             <a:endParaRPr lang="en-GB"/>
           </a:p>
@@ -2587,7 +2131,7 @@
           <a:bodyPr/>
           <a:lstStyle/>
           <a:p>
-            <a:fld id="{3C140E4C-844A-7844-80E0-F5C1B6BE3070}" type="slidenum">
+            <a:fld id="{20B7E225-42CA-B346-835D-08490EECB1F3}" type="slidenum">
               <a:rPr lang="en-GB" smtClean="0"/>
               <a:t>‹#›</a:t>
             </a:fld>
@@ -2598,7 +2142,7 @@
     </p:spTree>
     <p:extLst>
       <p:ext uri="{BB962C8B-B14F-4D97-AF65-F5344CB8AC3E}">
-        <p14:creationId xmlns:p14="http://schemas.microsoft.com/office/powerpoint/2010/main" val="1803858380"/>
+        <p14:creationId xmlns:p14="http://schemas.microsoft.com/office/powerpoint/2010/main" val="3782792439"/>
       </p:ext>
     </p:extLst>
   </p:cSld>
@@ -2637,8 +2181,8 @@
         </p:nvSpPr>
         <p:spPr>
           <a:xfrm>
-            <a:off x="595178" y="576051"/>
-            <a:ext cx="2786871" cy="2016178"/>
+            <a:off x="595178" y="665057"/>
+            <a:ext cx="2786871" cy="2327698"/>
           </a:xfrm>
         </p:spPr>
         <p:txBody>
@@ -2669,8 +2213,8 @@
         </p:nvSpPr>
         <p:spPr>
           <a:xfrm>
-            <a:off x="3673450" y="1244112"/>
-            <a:ext cx="4374386" cy="6140542"/>
+            <a:off x="3673450" y="1436340"/>
+            <a:ext cx="4374386" cy="7089319"/>
           </a:xfrm>
         </p:spPr>
         <p:txBody>
@@ -2734,8 +2278,8 @@
         </p:nvSpPr>
         <p:spPr>
           <a:xfrm>
-            <a:off x="595178" y="2592229"/>
-            <a:ext cx="2786871" cy="4802425"/>
+            <a:off x="595178" y="2992755"/>
+            <a:ext cx="2786871" cy="5544449"/>
           </a:xfrm>
         </p:spPr>
         <p:txBody>
@@ -2802,9 +2346,9 @@
           <a:bodyPr/>
           <a:lstStyle/>
           <a:p>
-            <a:fld id="{D461FEA6-851A-B64E-BB9B-ABA8F978BA5D}" type="datetimeFigureOut">
+            <a:fld id="{6A4D14BE-FD11-274C-8F7B-CD7422653215}" type="datetimeFigureOut">
               <a:rPr lang="en-GB" smtClean="0"/>
-              <a:t>07/07/2024</a:t>
+              <a:t>23/08/2024</a:t>
             </a:fld>
             <a:endParaRPr lang="en-GB"/>
           </a:p>
@@ -2844,7 +2388,7 @@
           <a:bodyPr/>
           <a:lstStyle/>
           <a:p>
-            <a:fld id="{3C140E4C-844A-7844-80E0-F5C1B6BE3070}" type="slidenum">
+            <a:fld id="{20B7E225-42CA-B346-835D-08490EECB1F3}" type="slidenum">
               <a:rPr lang="en-GB" smtClean="0"/>
               <a:t>‹#›</a:t>
             </a:fld>
@@ -2855,7 +2399,7 @@
     </p:spTree>
     <p:extLst>
       <p:ext uri="{BB962C8B-B14F-4D97-AF65-F5344CB8AC3E}">
-        <p14:creationId xmlns:p14="http://schemas.microsoft.com/office/powerpoint/2010/main" val="3041605523"/>
+        <p14:creationId xmlns:p14="http://schemas.microsoft.com/office/powerpoint/2010/main" val="4078262194"/>
       </p:ext>
     </p:extLst>
   </p:cSld>
@@ -2899,8 +2443,8 @@
         </p:nvSpPr>
         <p:spPr>
           <a:xfrm>
-            <a:off x="594053" y="460043"/>
-            <a:ext cx="7452658" cy="1670148"/>
+            <a:off x="594053" y="531124"/>
+            <a:ext cx="7452658" cy="1928203"/>
           </a:xfrm>
           <a:prstGeom prst="rect">
             <a:avLst/>
@@ -2932,8 +2476,8 @@
         </p:nvSpPr>
         <p:spPr>
           <a:xfrm>
-            <a:off x="594053" y="2300203"/>
-            <a:ext cx="7452658" cy="5482485"/>
+            <a:off x="594053" y="2655608"/>
+            <a:ext cx="7452658" cy="6329585"/>
           </a:xfrm>
           <a:prstGeom prst="rect">
             <a:avLst/>
@@ -2994,8 +2538,8 @@
         </p:nvSpPr>
         <p:spPr>
           <a:xfrm>
-            <a:off x="594052" y="8008709"/>
-            <a:ext cx="1944172" cy="460041"/>
+            <a:off x="594052" y="9246137"/>
+            <a:ext cx="1944172" cy="531122"/>
           </a:xfrm>
           <a:prstGeom prst="rect">
             <a:avLst/>
@@ -3015,9 +2559,9 @@
             </a:lvl1pPr>
           </a:lstStyle>
           <a:p>
-            <a:fld id="{D461FEA6-851A-B64E-BB9B-ABA8F978BA5D}" type="datetimeFigureOut">
+            <a:fld id="{6A4D14BE-FD11-274C-8F7B-CD7422653215}" type="datetimeFigureOut">
               <a:rPr lang="en-GB" smtClean="0"/>
-              <a:t>07/07/2024</a:t>
+              <a:t>23/08/2024</a:t>
             </a:fld>
             <a:endParaRPr lang="en-GB"/>
           </a:p>
@@ -3035,8 +2579,8 @@
         </p:nvSpPr>
         <p:spPr>
           <a:xfrm>
-            <a:off x="2862253" y="8008709"/>
-            <a:ext cx="2916258" cy="460041"/>
+            <a:off x="2862253" y="9246137"/>
+            <a:ext cx="2916258" cy="531122"/>
           </a:xfrm>
           <a:prstGeom prst="rect">
             <a:avLst/>
@@ -3072,8 +2616,8 @@
         </p:nvSpPr>
         <p:spPr>
           <a:xfrm>
-            <a:off x="6102539" y="8008709"/>
-            <a:ext cx="1944172" cy="460041"/>
+            <a:off x="6102539" y="9246137"/>
+            <a:ext cx="1944172" cy="531122"/>
           </a:xfrm>
           <a:prstGeom prst="rect">
             <a:avLst/>
@@ -3093,7 +2637,7 @@
             </a:lvl1pPr>
           </a:lstStyle>
           <a:p>
-            <a:fld id="{3C140E4C-844A-7844-80E0-F5C1B6BE3070}" type="slidenum">
+            <a:fld id="{20B7E225-42CA-B346-835D-08490EECB1F3}" type="slidenum">
               <a:rPr lang="en-GB" smtClean="0"/>
               <a:t>‹#›</a:t>
             </a:fld>
@@ -3104,23 +2648,23 @@
     </p:spTree>
     <p:extLst>
       <p:ext uri="{BB962C8B-B14F-4D97-AF65-F5344CB8AC3E}">
-        <p14:creationId xmlns:p14="http://schemas.microsoft.com/office/powerpoint/2010/main" val="1200029294"/>
+        <p14:creationId xmlns:p14="http://schemas.microsoft.com/office/powerpoint/2010/main" val="2930108476"/>
       </p:ext>
     </p:extLst>
   </p:cSld>
   <p:clrMap bg1="lt1" tx1="dk1" bg2="lt2" tx2="dk2" accent1="accent1" accent2="accent2" accent3="accent3" accent4="accent4" accent5="accent5" accent6="accent6" hlink="hlink" folHlink="folHlink"/>
   <p:sldLayoutIdLst>
-    <p:sldLayoutId id="2147483685" r:id="rId1"/>
-    <p:sldLayoutId id="2147483686" r:id="rId2"/>
-    <p:sldLayoutId id="2147483687" r:id="rId3"/>
-    <p:sldLayoutId id="2147483688" r:id="rId4"/>
-    <p:sldLayoutId id="2147483689" r:id="rId5"/>
-    <p:sldLayoutId id="2147483690" r:id="rId6"/>
-    <p:sldLayoutId id="2147483691" r:id="rId7"/>
-    <p:sldLayoutId id="2147483692" r:id="rId8"/>
-    <p:sldLayoutId id="2147483693" r:id="rId9"/>
-    <p:sldLayoutId id="2147483694" r:id="rId10"/>
-    <p:sldLayoutId id="2147483695" r:id="rId11"/>
+    <p:sldLayoutId id="2147483661" r:id="rId1"/>
+    <p:sldLayoutId id="2147483662" r:id="rId2"/>
+    <p:sldLayoutId id="2147483663" r:id="rId3"/>
+    <p:sldLayoutId id="2147483664" r:id="rId4"/>
+    <p:sldLayoutId id="2147483665" r:id="rId5"/>
+    <p:sldLayoutId id="2147483666" r:id="rId6"/>
+    <p:sldLayoutId id="2147483667" r:id="rId7"/>
+    <p:sldLayoutId id="2147483668" r:id="rId8"/>
+    <p:sldLayoutId id="2147483669" r:id="rId9"/>
+    <p:sldLayoutId id="2147483670" r:id="rId10"/>
+    <p:sldLayoutId id="2147483671" r:id="rId11"/>
   </p:sldLayoutIdLst>
   <p:txStyles>
     <p:titleStyle>
@@ -3422,14 +2966,14 @@
           <a:chExt cx="0" cy="0"/>
         </a:xfrm>
       </p:grpSpPr>
-      <mc:AlternateContent xmlns:mc="http://schemas.openxmlformats.org/markup-compatibility/2006" xmlns:pslz="http://schemas.microsoft.com/office/powerpoint/2016/slidezoom">
-        <mc:Choice Requires="pslz">
+      <mc:AlternateContent xmlns:mc="http://schemas.openxmlformats.org/markup-compatibility/2006">
+        <mc:Choice xmlns:pslz="http://schemas.microsoft.com/office/powerpoint/2016/slidezoom" Requires="pslz">
           <p:graphicFrame>
             <p:nvGraphicFramePr>
-              <p:cNvPr id="26" name="Slide Zoom 25">
+              <p:cNvPr id="5" name="Slide Zoom 4">
                 <a:extLst>
                   <a:ext uri="{FF2B5EF4-FFF2-40B4-BE49-F238E27FC236}">
-                    <a16:creationId xmlns:a16="http://schemas.microsoft.com/office/drawing/2014/main" id="{7120A827-04E8-CE75-C195-00FEDDAAB074}"/>
+                    <a16:creationId xmlns:a16="http://schemas.microsoft.com/office/drawing/2014/main" id="{40D5B927-0805-D954-3D69-38DCC42EEBF9}"/>
                   </a:ext>
                 </a:extLst>
               </p:cNvPr>
@@ -3439,22 +2983,22 @@
               <p:nvPr>
                 <p:extLst>
                   <p:ext uri="{D42A27DB-BD31-4B8C-83A1-F6EECF244321}">
-                    <p14:modId xmlns:p14="http://schemas.microsoft.com/office/powerpoint/2010/main" val="1473000265"/>
+                    <p14:modId xmlns:p14="http://schemas.microsoft.com/office/powerpoint/2010/main" val="3403161364"/>
                   </p:ext>
                 </p:extLst>
               </p:nvPr>
             </p:nvGraphicFramePr>
             <p:xfrm>
-              <a:off x="4537080" y="3837181"/>
-              <a:ext cx="2880000" cy="2880000"/>
+              <a:off x="2880381" y="0"/>
+              <a:ext cx="2880000" cy="3324990"/>
             </p:xfrm>
             <a:graphic>
               <a:graphicData uri="http://schemas.microsoft.com/office/powerpoint/2016/slidezoom">
                 <pslz:sldZm>
-                  <pslz:sldZmObj sldId="277" cId="2731755949">
-                    <pslz:zmPr id="{8C6A9EDF-8DD9-BD40-A159-409AFE11D014}" returnToParent="0" transitionDur="1000" showBg="0">
+                  <pslz:sldZmObj sldId="256" cId="2261246777">
+                    <pslz:zmPr id="{749C0B47-183F-4944-BD1E-F1A3FB069BBB}" returnToParent="0" transitionDur="1000" showBg="0">
                       <p166:blipFill xmlns:p166="http://schemas.microsoft.com/office/powerpoint/2016/6/main">
-                        <a:blip r:embed="rId3"/>
+                        <a:blip r:embed="rId2"/>
                         <a:stretch>
                           <a:fillRect/>
                         </a:stretch>
@@ -3462,11 +3006,16 @@
                       <p166:spPr xmlns:p166="http://schemas.microsoft.com/office/powerpoint/2016/6/main">
                         <a:xfrm>
                           <a:off x="0" y="0"/>
-                          <a:ext cx="2880000" cy="2880000"/>
+                          <a:ext cx="2880000" cy="3324990"/>
                         </a:xfrm>
                         <a:prstGeom prst="rect">
                           <a:avLst/>
                         </a:prstGeom>
+                        <a:effectLst>
+                          <a:glow>
+                            <a:schemeClr val="tx1"/>
+                          </a:glow>
+                        </a:effectLst>
                       </p166:spPr>
                     </pslz:zmPr>
                   </pslz:sldZmObj>
@@ -3475,14 +3024,208 @@
             </a:graphic>
           </p:graphicFrame>
         </mc:Choice>
-        <mc:Fallback xmlns="">
+        <mc:Fallback>
           <p:pic>
             <p:nvPicPr>
-              <p:cNvPr id="26" name="Slide Zoom 25">
-                <a:hlinkClick r:id="rId4" action="ppaction://hlinksldjump"/>
+              <p:cNvPr id="5" name="Slide Zoom 4">
+                <a:hlinkClick r:id="rId3" action="ppaction://hlinksldjump"/>
                 <a:extLst>
                   <a:ext uri="{FF2B5EF4-FFF2-40B4-BE49-F238E27FC236}">
-                    <a16:creationId xmlns:a16="http://schemas.microsoft.com/office/drawing/2014/main" id="{7120A827-04E8-CE75-C195-00FEDDAAB074}"/>
+                    <a16:creationId xmlns:a16="http://schemas.microsoft.com/office/drawing/2014/main" id="{40D5B927-0805-D954-3D69-38DCC42EEBF9}"/>
+                  </a:ext>
+                </a:extLst>
+              </p:cNvPr>
+              <p:cNvPicPr>
+                <a:picLocks noGrp="1" noRot="1" noChangeAspect="1" noMove="1" noResize="1" noEditPoints="1" noAdjustHandles="1" noChangeArrowheads="1" noChangeShapeType="1"/>
+              </p:cNvPicPr>
+              <p:nvPr/>
+            </p:nvPicPr>
+            <p:blipFill>
+              <a:blip r:embed="rId2"/>
+              <a:stretch>
+                <a:fillRect/>
+              </a:stretch>
+            </p:blipFill>
+            <p:spPr>
+              <a:xfrm>
+                <a:off x="2880381" y="0"/>
+                <a:ext cx="2880000" cy="3324990"/>
+              </a:xfrm>
+              <a:prstGeom prst="rect">
+                <a:avLst/>
+              </a:prstGeom>
+              <a:effectLst>
+                <a:glow>
+                  <a:schemeClr val="tx1"/>
+                </a:glow>
+              </a:effectLst>
+            </p:spPr>
+          </p:pic>
+        </mc:Fallback>
+      </mc:AlternateContent>
+      <mc:AlternateContent xmlns:mc="http://schemas.openxmlformats.org/markup-compatibility/2006">
+        <mc:Choice xmlns:pslz="http://schemas.microsoft.com/office/powerpoint/2016/slidezoom" Requires="pslz">
+          <p:graphicFrame>
+            <p:nvGraphicFramePr>
+              <p:cNvPr id="6" name="Slide Zoom 5">
+                <a:extLst>
+                  <a:ext uri="{FF2B5EF4-FFF2-40B4-BE49-F238E27FC236}">
+                    <a16:creationId xmlns:a16="http://schemas.microsoft.com/office/drawing/2014/main" id="{43A404FE-2494-02C0-A484-FDBE4E3516CA}"/>
+                  </a:ext>
+                </a:extLst>
+              </p:cNvPr>
+              <p:cNvGraphicFramePr>
+                <a:graphicFrameLocks noChangeAspect="1"/>
+              </p:cNvGraphicFramePr>
+              <p:nvPr>
+                <p:extLst>
+                  <p:ext uri="{D42A27DB-BD31-4B8C-83A1-F6EECF244321}">
+                    <p14:modId xmlns:p14="http://schemas.microsoft.com/office/powerpoint/2010/main" val="3632597726"/>
+                  </p:ext>
+                </p:extLst>
+              </p:nvPr>
+            </p:nvGraphicFramePr>
+            <p:xfrm>
+              <a:off x="381" y="1663200"/>
+              <a:ext cx="2880000" cy="3324990"/>
+            </p:xfrm>
+            <a:graphic>
+              <a:graphicData uri="http://schemas.microsoft.com/office/powerpoint/2016/slidezoom">
+                <pslz:sldZm>
+                  <pslz:sldZmObj sldId="256" cId="2261246777">
+                    <pslz:zmPr id="{749C0B47-183F-4944-BD1E-F1A3FB069BBB}" returnToParent="0" transitionDur="1000" showBg="0">
+                      <p166:blipFill xmlns:p166="http://schemas.microsoft.com/office/powerpoint/2016/6/main">
+                        <a:blip r:embed="rId4"/>
+                        <a:stretch>
+                          <a:fillRect/>
+                        </a:stretch>
+                      </p166:blipFill>
+                      <p166:spPr xmlns:p166="http://schemas.microsoft.com/office/powerpoint/2016/6/main">
+                        <a:xfrm>
+                          <a:off x="0" y="0"/>
+                          <a:ext cx="2880000" cy="3324990"/>
+                        </a:xfrm>
+                        <a:prstGeom prst="rect">
+                          <a:avLst/>
+                        </a:prstGeom>
+                        <a:effectLst>
+                          <a:glow>
+                            <a:schemeClr val="tx1"/>
+                          </a:glow>
+                        </a:effectLst>
+                      </p166:spPr>
+                    </pslz:zmPr>
+                  </pslz:sldZmObj>
+                </pslz:sldZm>
+              </a:graphicData>
+            </a:graphic>
+          </p:graphicFrame>
+        </mc:Choice>
+        <mc:Fallback>
+          <p:pic>
+            <p:nvPicPr>
+              <p:cNvPr id="6" name="Slide Zoom 5">
+                <a:hlinkClick r:id="rId3" action="ppaction://hlinksldjump"/>
+                <a:extLst>
+                  <a:ext uri="{FF2B5EF4-FFF2-40B4-BE49-F238E27FC236}">
+                    <a16:creationId xmlns:a16="http://schemas.microsoft.com/office/drawing/2014/main" id="{43A404FE-2494-02C0-A484-FDBE4E3516CA}"/>
+                  </a:ext>
+                </a:extLst>
+              </p:cNvPr>
+              <p:cNvPicPr>
+                <a:picLocks noGrp="1" noRot="1" noChangeAspect="1" noMove="1" noResize="1" noEditPoints="1" noAdjustHandles="1" noChangeArrowheads="1" noChangeShapeType="1"/>
+              </p:cNvPicPr>
+              <p:nvPr/>
+            </p:nvPicPr>
+            <p:blipFill>
+              <a:blip r:embed="rId4"/>
+              <a:stretch>
+                <a:fillRect/>
+              </a:stretch>
+            </p:blipFill>
+            <p:spPr>
+              <a:xfrm>
+                <a:off x="381" y="1663200"/>
+                <a:ext cx="2880000" cy="3324990"/>
+              </a:xfrm>
+              <a:prstGeom prst="rect">
+                <a:avLst/>
+              </a:prstGeom>
+              <a:effectLst>
+                <a:glow>
+                  <a:schemeClr val="tx1"/>
+                </a:glow>
+              </a:effectLst>
+            </p:spPr>
+          </p:pic>
+        </mc:Fallback>
+      </mc:AlternateContent>
+      <mc:AlternateContent xmlns:mc="http://schemas.openxmlformats.org/markup-compatibility/2006">
+        <mc:Choice xmlns:pslz="http://schemas.microsoft.com/office/powerpoint/2016/slidezoom" Requires="pslz">
+          <p:graphicFrame>
+            <p:nvGraphicFramePr>
+              <p:cNvPr id="7" name="Slide Zoom 6">
+                <a:extLst>
+                  <a:ext uri="{FF2B5EF4-FFF2-40B4-BE49-F238E27FC236}">
+                    <a16:creationId xmlns:a16="http://schemas.microsoft.com/office/drawing/2014/main" id="{E2B974C8-C0D4-481B-1FBC-214025B54344}"/>
+                  </a:ext>
+                </a:extLst>
+              </p:cNvPr>
+              <p:cNvGraphicFramePr>
+                <a:graphicFrameLocks noChangeAspect="1"/>
+              </p:cNvGraphicFramePr>
+              <p:nvPr>
+                <p:extLst>
+                  <p:ext uri="{D42A27DB-BD31-4B8C-83A1-F6EECF244321}">
+                    <p14:modId xmlns:p14="http://schemas.microsoft.com/office/powerpoint/2010/main" val="3621325083"/>
+                  </p:ext>
+                </p:extLst>
+              </p:nvPr>
+            </p:nvGraphicFramePr>
+            <p:xfrm>
+              <a:off x="5760381" y="1662935"/>
+              <a:ext cx="2880000" cy="3324990"/>
+            </p:xfrm>
+            <a:graphic>
+              <a:graphicData uri="http://schemas.microsoft.com/office/powerpoint/2016/slidezoom">
+                <pslz:sldZm>
+                  <pslz:sldZmObj sldId="256" cId="2261246777">
+                    <pslz:zmPr id="{749C0B47-183F-4944-BD1E-F1A3FB069BBB}" returnToParent="0" transitionDur="1000" showBg="0">
+                      <p166:blipFill xmlns:p166="http://schemas.microsoft.com/office/powerpoint/2016/6/main">
+                        <a:blip r:embed="rId5"/>
+                        <a:stretch>
+                          <a:fillRect/>
+                        </a:stretch>
+                      </p166:blipFill>
+                      <p166:spPr xmlns:p166="http://schemas.microsoft.com/office/powerpoint/2016/6/main">
+                        <a:xfrm>
+                          <a:off x="0" y="0"/>
+                          <a:ext cx="2880000" cy="3324990"/>
+                        </a:xfrm>
+                        <a:prstGeom prst="rect">
+                          <a:avLst/>
+                        </a:prstGeom>
+                        <a:effectLst>
+                          <a:glow>
+                            <a:schemeClr val="tx1"/>
+                          </a:glow>
+                        </a:effectLst>
+                      </p166:spPr>
+                    </pslz:zmPr>
+                  </pslz:sldZmObj>
+                </pslz:sldZm>
+              </a:graphicData>
+            </a:graphic>
+          </p:graphicFrame>
+        </mc:Choice>
+        <mc:Fallback>
+          <p:pic>
+            <p:nvPicPr>
+              <p:cNvPr id="7" name="Slide Zoom 6">
+                <a:hlinkClick r:id="rId3" action="ppaction://hlinksldjump"/>
+                <a:extLst>
+                  <a:ext uri="{FF2B5EF4-FFF2-40B4-BE49-F238E27FC236}">
+                    <a16:creationId xmlns:a16="http://schemas.microsoft.com/office/drawing/2014/main" id="{E2B974C8-C0D4-481B-1FBC-214025B54344}"/>
                   </a:ext>
                 </a:extLst>
               </p:cNvPr>
@@ -3499,59 +3242,29 @@
             </p:blipFill>
             <p:spPr>
               <a:xfrm>
-                <a:off x="4537080" y="3837181"/>
-                <a:ext cx="2880000" cy="2880000"/>
+                <a:off x="5760381" y="1662935"/>
+                <a:ext cx="2880000" cy="3324990"/>
               </a:xfrm>
               <a:prstGeom prst="rect">
                 <a:avLst/>
               </a:prstGeom>
+              <a:effectLst>
+                <a:glow>
+                  <a:schemeClr val="tx1"/>
+                </a:glow>
+              </a:effectLst>
             </p:spPr>
           </p:pic>
         </mc:Fallback>
       </mc:AlternateContent>
-      <p:sp>
-        <p:nvSpPr>
-          <p:cNvPr id="10" name="Title 1">
-            <a:extLst>
-              <a:ext uri="{FF2B5EF4-FFF2-40B4-BE49-F238E27FC236}">
-                <a16:creationId xmlns:a16="http://schemas.microsoft.com/office/drawing/2014/main" id="{4A0994D5-7604-21DA-B509-84532B095397}"/>
-              </a:ext>
-            </a:extLst>
-          </p:cNvPr>
-          <p:cNvSpPr>
-            <a:spLocks noGrp="1"/>
-          </p:cNvSpPr>
-          <p:nvPr>
-            <p:ph type="title"/>
-          </p:nvPr>
-        </p:nvSpPr>
-        <p:spPr>
-          <a:xfrm>
-            <a:off x="-85172" y="-744970"/>
-            <a:ext cx="8944833" cy="573933"/>
-          </a:xfrm>
-        </p:spPr>
-        <p:txBody>
-          <a:bodyPr>
-            <a:normAutofit/>
-          </a:bodyPr>
-          <a:lstStyle/>
-          <a:p>
-            <a:r>
-              <a:rPr lang="en-US" sz="2400" dirty="0"/>
-              <a:t>Koch Snowflake</a:t>
-            </a:r>
-          </a:p>
-        </p:txBody>
-      </p:sp>
       <mc:AlternateContent xmlns:mc="http://schemas.openxmlformats.org/markup-compatibility/2006">
         <mc:Choice xmlns:pslz="http://schemas.microsoft.com/office/powerpoint/2016/slidezoom" Requires="pslz">
           <p:graphicFrame>
             <p:nvGraphicFramePr>
-              <p:cNvPr id="21" name="Slide Zoom 20">
+              <p:cNvPr id="8" name="Slide Zoom 7">
                 <a:extLst>
                   <a:ext uri="{FF2B5EF4-FFF2-40B4-BE49-F238E27FC236}">
-                    <a16:creationId xmlns:a16="http://schemas.microsoft.com/office/drawing/2014/main" id="{837A6357-06CF-25AA-DBD2-5FF196AE2E9F}"/>
+                    <a16:creationId xmlns:a16="http://schemas.microsoft.com/office/drawing/2014/main" id="{D599B4AA-B39D-9D2C-79AA-82343E377E21}"/>
                   </a:ext>
                 </a:extLst>
               </p:cNvPr>
@@ -3561,20 +3274,20 @@
               <p:nvPr>
                 <p:extLst>
                   <p:ext uri="{D42A27DB-BD31-4B8C-83A1-F6EECF244321}">
-                    <p14:modId xmlns:p14="http://schemas.microsoft.com/office/powerpoint/2010/main" val="1176298073"/>
+                    <p14:modId xmlns:p14="http://schemas.microsoft.com/office/powerpoint/2010/main" val="3612431938"/>
                   </p:ext>
                 </p:extLst>
               </p:nvPr>
             </p:nvGraphicFramePr>
             <p:xfrm>
-              <a:off x="2880000" y="968400"/>
-              <a:ext cx="2880000" cy="2880000"/>
+              <a:off x="0" y="4987660"/>
+              <a:ext cx="2880000" cy="3324990"/>
             </p:xfrm>
             <a:graphic>
               <a:graphicData uri="http://schemas.microsoft.com/office/powerpoint/2016/slidezoom">
                 <pslz:sldZm>
-                  <pslz:sldZmObj sldId="277" cId="2731755949">
-                    <pslz:zmPr id="{8C6A9EDF-8DD9-BD40-A159-409AFE11D014}" returnToParent="0" transitionDur="1000" showBg="0">
+                  <pslz:sldZmObj sldId="256" cId="2261246777">
+                    <pslz:zmPr id="{749C0B47-183F-4944-BD1E-F1A3FB069BBB}" returnToParent="0" transitionDur="1000" showBg="0">
                       <p166:blipFill xmlns:p166="http://schemas.microsoft.com/office/powerpoint/2016/6/main">
                         <a:blip r:embed="rId6"/>
                         <a:stretch>
@@ -3584,11 +3297,16 @@
                       <p166:spPr xmlns:p166="http://schemas.microsoft.com/office/powerpoint/2016/6/main">
                         <a:xfrm>
                           <a:off x="0" y="0"/>
-                          <a:ext cx="2880000" cy="2880000"/>
+                          <a:ext cx="2880000" cy="3324990"/>
                         </a:xfrm>
                         <a:prstGeom prst="rect">
                           <a:avLst/>
                         </a:prstGeom>
+                        <a:effectLst>
+                          <a:glow>
+                            <a:schemeClr val="tx1"/>
+                          </a:glow>
+                        </a:effectLst>
                       </p166:spPr>
                     </pslz:zmPr>
                   </pslz:sldZmObj>
@@ -3600,11 +3318,11 @@
         <mc:Fallback>
           <p:pic>
             <p:nvPicPr>
-              <p:cNvPr id="21" name="Slide Zoom 20">
-                <a:hlinkClick r:id="rId4" action="ppaction://hlinksldjump"/>
+              <p:cNvPr id="8" name="Slide Zoom 7">
+                <a:hlinkClick r:id="rId3" action="ppaction://hlinksldjump"/>
                 <a:extLst>
                   <a:ext uri="{FF2B5EF4-FFF2-40B4-BE49-F238E27FC236}">
-                    <a16:creationId xmlns:a16="http://schemas.microsoft.com/office/drawing/2014/main" id="{837A6357-06CF-25AA-DBD2-5FF196AE2E9F}"/>
+                    <a16:creationId xmlns:a16="http://schemas.microsoft.com/office/drawing/2014/main" id="{D599B4AA-B39D-9D2C-79AA-82343E377E21}"/>
                   </a:ext>
                 </a:extLst>
               </p:cNvPr>
@@ -3621,24 +3339,29 @@
             </p:blipFill>
             <p:spPr>
               <a:xfrm>
-                <a:off x="2880000" y="968400"/>
-                <a:ext cx="2880000" cy="2880000"/>
+                <a:off x="0" y="4987660"/>
+                <a:ext cx="2880000" cy="3324990"/>
               </a:xfrm>
               <a:prstGeom prst="rect">
                 <a:avLst/>
               </a:prstGeom>
+              <a:effectLst>
+                <a:glow>
+                  <a:schemeClr val="tx1"/>
+                </a:glow>
+              </a:effectLst>
             </p:spPr>
           </p:pic>
         </mc:Fallback>
       </mc:AlternateContent>
-      <mc:AlternateContent xmlns:mc="http://schemas.openxmlformats.org/markup-compatibility/2006" xmlns:pslz="http://schemas.microsoft.com/office/powerpoint/2016/slidezoom">
-        <mc:Choice Requires="pslz">
+      <mc:AlternateContent xmlns:mc="http://schemas.openxmlformats.org/markup-compatibility/2006">
+        <mc:Choice xmlns:pslz="http://schemas.microsoft.com/office/powerpoint/2016/slidezoom" Requires="pslz">
           <p:graphicFrame>
             <p:nvGraphicFramePr>
-              <p:cNvPr id="22" name="Slide Zoom 21">
+              <p:cNvPr id="9" name="Slide Zoom 8">
                 <a:extLst>
                   <a:ext uri="{FF2B5EF4-FFF2-40B4-BE49-F238E27FC236}">
-                    <a16:creationId xmlns:a16="http://schemas.microsoft.com/office/drawing/2014/main" id="{0F0E4B87-5351-FC42-376D-4169DD246C3C}"/>
+                    <a16:creationId xmlns:a16="http://schemas.microsoft.com/office/drawing/2014/main" id="{65234879-FA59-C43C-6F13-E1E22C636E01}"/>
                   </a:ext>
                 </a:extLst>
               </p:cNvPr>
@@ -3648,20 +3371,20 @@
               <p:nvPr>
                 <p:extLst>
                   <p:ext uri="{D42A27DB-BD31-4B8C-83A1-F6EECF244321}">
-                    <p14:modId xmlns:p14="http://schemas.microsoft.com/office/powerpoint/2010/main" val="506644613"/>
+                    <p14:modId xmlns:p14="http://schemas.microsoft.com/office/powerpoint/2010/main" val="1667151258"/>
                   </p:ext>
                 </p:extLst>
               </p:nvPr>
             </p:nvGraphicFramePr>
             <p:xfrm>
-              <a:off x="2880000" y="4792722"/>
-              <a:ext cx="2880000" cy="2880000"/>
+              <a:off x="5760000" y="4987660"/>
+              <a:ext cx="2880000" cy="3324990"/>
             </p:xfrm>
             <a:graphic>
               <a:graphicData uri="http://schemas.microsoft.com/office/powerpoint/2016/slidezoom">
                 <pslz:sldZm>
-                  <pslz:sldZmObj sldId="277" cId="2731755949">
-                    <pslz:zmPr id="{8C6A9EDF-8DD9-BD40-A159-409AFE11D014}" returnToParent="0" transitionDur="1000" showBg="0">
+                  <pslz:sldZmObj sldId="256" cId="2261246777">
+                    <pslz:zmPr id="{749C0B47-183F-4944-BD1E-F1A3FB069BBB}" returnToParent="0" transitionDur="1000" showBg="0">
                       <p166:blipFill xmlns:p166="http://schemas.microsoft.com/office/powerpoint/2016/6/main">
                         <a:blip r:embed="rId7"/>
                         <a:stretch>
@@ -3671,11 +3394,16 @@
                       <p166:spPr xmlns:p166="http://schemas.microsoft.com/office/powerpoint/2016/6/main">
                         <a:xfrm>
                           <a:off x="0" y="0"/>
-                          <a:ext cx="2880000" cy="2880000"/>
+                          <a:ext cx="2880000" cy="3324990"/>
                         </a:xfrm>
                         <a:prstGeom prst="rect">
                           <a:avLst/>
                         </a:prstGeom>
+                        <a:effectLst>
+                          <a:glow>
+                            <a:schemeClr val="tx1"/>
+                          </a:glow>
+                        </a:effectLst>
                       </p166:spPr>
                     </pslz:zmPr>
                   </pslz:sldZmObj>
@@ -3684,14 +3412,111 @@
             </a:graphic>
           </p:graphicFrame>
         </mc:Choice>
-        <mc:Fallback xmlns="">
+        <mc:Fallback>
           <p:pic>
             <p:nvPicPr>
-              <p:cNvPr id="22" name="Slide Zoom 21">
-                <a:hlinkClick r:id="rId4" action="ppaction://hlinksldjump"/>
+              <p:cNvPr id="9" name="Slide Zoom 8">
+                <a:hlinkClick r:id="rId3" action="ppaction://hlinksldjump"/>
                 <a:extLst>
                   <a:ext uri="{FF2B5EF4-FFF2-40B4-BE49-F238E27FC236}">
-                    <a16:creationId xmlns:a16="http://schemas.microsoft.com/office/drawing/2014/main" id="{0F0E4B87-5351-FC42-376D-4169DD246C3C}"/>
+                    <a16:creationId xmlns:a16="http://schemas.microsoft.com/office/drawing/2014/main" id="{65234879-FA59-C43C-6F13-E1E22C636E01}"/>
+                  </a:ext>
+                </a:extLst>
+              </p:cNvPr>
+              <p:cNvPicPr>
+                <a:picLocks noGrp="1" noRot="1" noChangeAspect="1" noMove="1" noResize="1" noEditPoints="1" noAdjustHandles="1" noChangeArrowheads="1" noChangeShapeType="1"/>
+              </p:cNvPicPr>
+              <p:nvPr/>
+            </p:nvPicPr>
+            <p:blipFill>
+              <a:blip r:embed="rId7"/>
+              <a:stretch>
+                <a:fillRect/>
+              </a:stretch>
+            </p:blipFill>
+            <p:spPr>
+              <a:xfrm>
+                <a:off x="5760000" y="4987660"/>
+                <a:ext cx="2880000" cy="3324990"/>
+              </a:xfrm>
+              <a:prstGeom prst="rect">
+                <a:avLst/>
+              </a:prstGeom>
+              <a:effectLst>
+                <a:glow>
+                  <a:schemeClr val="tx1"/>
+                </a:glow>
+              </a:effectLst>
+            </p:spPr>
+          </p:pic>
+        </mc:Fallback>
+      </mc:AlternateContent>
+      <mc:AlternateContent xmlns:mc="http://schemas.openxmlformats.org/markup-compatibility/2006">
+        <mc:Choice xmlns:pslz="http://schemas.microsoft.com/office/powerpoint/2016/slidezoom" Requires="pslz">
+          <p:graphicFrame>
+            <p:nvGraphicFramePr>
+              <p:cNvPr id="10" name="Slide Zoom 9">
+                <a:extLst>
+                  <a:ext uri="{FF2B5EF4-FFF2-40B4-BE49-F238E27FC236}">
+                    <a16:creationId xmlns:a16="http://schemas.microsoft.com/office/drawing/2014/main" id="{C1253351-EAFD-52ED-5A76-51F3029C019F}"/>
+                  </a:ext>
+                </a:extLst>
+              </p:cNvPr>
+              <p:cNvGraphicFramePr>
+                <a:graphicFrameLocks noChangeAspect="1"/>
+              </p:cNvGraphicFramePr>
+              <p:nvPr>
+                <p:extLst>
+                  <p:ext uri="{D42A27DB-BD31-4B8C-83A1-F6EECF244321}">
+                    <p14:modId xmlns:p14="http://schemas.microsoft.com/office/powerpoint/2010/main" val="261818277"/>
+                  </p:ext>
+                </p:extLst>
+              </p:nvPr>
+            </p:nvGraphicFramePr>
+            <p:xfrm>
+              <a:off x="2880381" y="6650860"/>
+              <a:ext cx="2880000" cy="3324990"/>
+            </p:xfrm>
+            <a:graphic>
+              <a:graphicData uri="http://schemas.microsoft.com/office/powerpoint/2016/slidezoom">
+                <pslz:sldZm>
+                  <pslz:sldZmObj sldId="256" cId="2261246777">
+                    <pslz:zmPr id="{749C0B47-183F-4944-BD1E-F1A3FB069BBB}" returnToParent="0" transitionDur="1000" showBg="0">
+                      <p166:blipFill xmlns:p166="http://schemas.microsoft.com/office/powerpoint/2016/6/main">
+                        <a:blip r:embed="rId8"/>
+                        <a:stretch>
+                          <a:fillRect/>
+                        </a:stretch>
+                      </p166:blipFill>
+                      <p166:spPr xmlns:p166="http://schemas.microsoft.com/office/powerpoint/2016/6/main">
+                        <a:xfrm>
+                          <a:off x="0" y="0"/>
+                          <a:ext cx="2880000" cy="3324990"/>
+                        </a:xfrm>
+                        <a:prstGeom prst="rect">
+                          <a:avLst/>
+                        </a:prstGeom>
+                        <a:effectLst>
+                          <a:glow>
+                            <a:schemeClr val="tx1"/>
+                          </a:glow>
+                        </a:effectLst>
+                      </p166:spPr>
+                    </pslz:zmPr>
+                  </pslz:sldZmObj>
+                </pslz:sldZm>
+              </a:graphicData>
+            </a:graphic>
+          </p:graphicFrame>
+        </mc:Choice>
+        <mc:Fallback>
+          <p:pic>
+            <p:nvPicPr>
+              <p:cNvPr id="10" name="Slide Zoom 9">
+                <a:hlinkClick r:id="rId3" action="ppaction://hlinksldjump"/>
+                <a:extLst>
+                  <a:ext uri="{FF2B5EF4-FFF2-40B4-BE49-F238E27FC236}">
+                    <a16:creationId xmlns:a16="http://schemas.microsoft.com/office/drawing/2014/main" id="{C1253351-EAFD-52ED-5A76-51F3029C019F}"/>
                   </a:ext>
                 </a:extLst>
               </p:cNvPr>
@@ -3708,306 +3533,48 @@
             </p:blipFill>
             <p:spPr>
               <a:xfrm>
-                <a:off x="2880000" y="4792722"/>
-                <a:ext cx="2880000" cy="2880000"/>
+                <a:off x="2880381" y="6650860"/>
+                <a:ext cx="2880000" cy="3324990"/>
               </a:xfrm>
               <a:prstGeom prst="rect">
                 <a:avLst/>
               </a:prstGeom>
+              <a:effectLst>
+                <a:glow>
+                  <a:schemeClr val="tx1"/>
+                </a:glow>
+              </a:effectLst>
             </p:spPr>
           </p:pic>
         </mc:Fallback>
       </mc:AlternateContent>
-      <mc:AlternateContent xmlns:mc="http://schemas.openxmlformats.org/markup-compatibility/2006" xmlns:pslz="http://schemas.microsoft.com/office/powerpoint/2016/slidezoom">
-        <mc:Choice Requires="pslz">
-          <p:graphicFrame>
-            <p:nvGraphicFramePr>
-              <p:cNvPr id="23" name="Slide Zoom 22">
-                <a:extLst>
-                  <a:ext uri="{FF2B5EF4-FFF2-40B4-BE49-F238E27FC236}">
-                    <a16:creationId xmlns:a16="http://schemas.microsoft.com/office/drawing/2014/main" id="{586C564B-4472-598F-0EF2-5047572DB5E2}"/>
-                  </a:ext>
-                </a:extLst>
-              </p:cNvPr>
-              <p:cNvGraphicFramePr>
-                <a:graphicFrameLocks noChangeAspect="1"/>
-              </p:cNvGraphicFramePr>
-              <p:nvPr>
-                <p:extLst>
-                  <p:ext uri="{D42A27DB-BD31-4B8C-83A1-F6EECF244321}">
-                    <p14:modId xmlns:p14="http://schemas.microsoft.com/office/powerpoint/2010/main" val="1127841"/>
-                  </p:ext>
-                </p:extLst>
-              </p:nvPr>
-            </p:nvGraphicFramePr>
-            <p:xfrm>
-              <a:off x="4541210" y="1924515"/>
-              <a:ext cx="2880000" cy="2880000"/>
-            </p:xfrm>
-            <a:graphic>
-              <a:graphicData uri="http://schemas.microsoft.com/office/powerpoint/2016/slidezoom">
-                <pslz:sldZm>
-                  <pslz:sldZmObj sldId="277" cId="2731755949">
-                    <pslz:zmPr id="{8C6A9EDF-8DD9-BD40-A159-409AFE11D014}" returnToParent="0" transitionDur="1000" showBg="0">
-                      <p166:blipFill xmlns:p166="http://schemas.microsoft.com/office/powerpoint/2016/6/main">
-                        <a:blip r:embed="rId9"/>
-                        <a:stretch>
-                          <a:fillRect/>
-                        </a:stretch>
-                      </p166:blipFill>
-                      <p166:spPr xmlns:p166="http://schemas.microsoft.com/office/powerpoint/2016/6/main">
-                        <a:xfrm>
-                          <a:off x="0" y="0"/>
-                          <a:ext cx="2880000" cy="2880000"/>
-                        </a:xfrm>
-                        <a:prstGeom prst="rect">
-                          <a:avLst/>
-                        </a:prstGeom>
-                      </p166:spPr>
-                    </pslz:zmPr>
-                  </pslz:sldZmObj>
-                </pslz:sldZm>
-              </a:graphicData>
-            </a:graphic>
-          </p:graphicFrame>
-        </mc:Choice>
-        <mc:Fallback xmlns="">
-          <p:pic>
-            <p:nvPicPr>
-              <p:cNvPr id="23" name="Slide Zoom 22">
-                <a:hlinkClick r:id="rId4" action="ppaction://hlinksldjump"/>
-                <a:extLst>
-                  <a:ext uri="{FF2B5EF4-FFF2-40B4-BE49-F238E27FC236}">
-                    <a16:creationId xmlns:a16="http://schemas.microsoft.com/office/drawing/2014/main" id="{586C564B-4472-598F-0EF2-5047572DB5E2}"/>
-                  </a:ext>
-                </a:extLst>
-              </p:cNvPr>
-              <p:cNvPicPr>
-                <a:picLocks noGrp="1" noRot="1" noChangeAspect="1" noMove="1" noResize="1" noEditPoints="1" noAdjustHandles="1" noChangeArrowheads="1" noChangeShapeType="1"/>
-              </p:cNvPicPr>
-              <p:nvPr/>
-            </p:nvPicPr>
-            <p:blipFill>
-              <a:blip r:embed="rId10"/>
-              <a:stretch>
-                <a:fillRect/>
-              </a:stretch>
-            </p:blipFill>
-            <p:spPr>
-              <a:xfrm>
-                <a:off x="4541210" y="1924515"/>
-                <a:ext cx="2880000" cy="2880000"/>
-              </a:xfrm>
-              <a:prstGeom prst="rect">
-                <a:avLst/>
-              </a:prstGeom>
-            </p:spPr>
-          </p:pic>
-        </mc:Fallback>
-      </mc:AlternateContent>
-      <mc:AlternateContent xmlns:mc="http://schemas.openxmlformats.org/markup-compatibility/2006" xmlns:pslz="http://schemas.microsoft.com/office/powerpoint/2016/slidezoom">
-        <mc:Choice Requires="pslz">
-          <p:graphicFrame>
-            <p:nvGraphicFramePr>
-              <p:cNvPr id="24" name="Slide Zoom 23">
-                <a:extLst>
-                  <a:ext uri="{FF2B5EF4-FFF2-40B4-BE49-F238E27FC236}">
-                    <a16:creationId xmlns:a16="http://schemas.microsoft.com/office/drawing/2014/main" id="{9CEF33FD-9CA2-DB29-764B-6F904A79F4D5}"/>
-                  </a:ext>
-                </a:extLst>
-              </p:cNvPr>
-              <p:cNvGraphicFramePr>
-                <a:graphicFrameLocks noChangeAspect="1"/>
-              </p:cNvGraphicFramePr>
-              <p:nvPr>
-                <p:extLst>
-                  <p:ext uri="{D42A27DB-BD31-4B8C-83A1-F6EECF244321}">
-                    <p14:modId xmlns:p14="http://schemas.microsoft.com/office/powerpoint/2010/main" val="44263783"/>
-                  </p:ext>
-                </p:extLst>
-              </p:nvPr>
-            </p:nvGraphicFramePr>
-            <p:xfrm>
-              <a:off x="1222352" y="1921066"/>
-              <a:ext cx="2880000" cy="2880000"/>
-            </p:xfrm>
-            <a:graphic>
-              <a:graphicData uri="http://schemas.microsoft.com/office/powerpoint/2016/slidezoom">
-                <pslz:sldZm>
-                  <pslz:sldZmObj sldId="277" cId="2731755949">
-                    <pslz:zmPr id="{8C6A9EDF-8DD9-BD40-A159-409AFE11D014}" returnToParent="0" transitionDur="1000" showBg="0">
-                      <p166:blipFill xmlns:p166="http://schemas.microsoft.com/office/powerpoint/2016/6/main">
-                        <a:blip r:embed="rId11"/>
-                        <a:stretch>
-                          <a:fillRect/>
-                        </a:stretch>
-                      </p166:blipFill>
-                      <p166:spPr xmlns:p166="http://schemas.microsoft.com/office/powerpoint/2016/6/main">
-                        <a:xfrm>
-                          <a:off x="0" y="0"/>
-                          <a:ext cx="2880000" cy="2880000"/>
-                        </a:xfrm>
-                        <a:prstGeom prst="rect">
-                          <a:avLst/>
-                        </a:prstGeom>
-                      </p166:spPr>
-                    </pslz:zmPr>
-                  </pslz:sldZmObj>
-                </pslz:sldZm>
-              </a:graphicData>
-            </a:graphic>
-          </p:graphicFrame>
-        </mc:Choice>
-        <mc:Fallback xmlns="">
-          <p:pic>
-            <p:nvPicPr>
-              <p:cNvPr id="24" name="Slide Zoom 23">
-                <a:hlinkClick r:id="rId4" action="ppaction://hlinksldjump"/>
-                <a:extLst>
-                  <a:ext uri="{FF2B5EF4-FFF2-40B4-BE49-F238E27FC236}">
-                    <a16:creationId xmlns:a16="http://schemas.microsoft.com/office/drawing/2014/main" id="{9CEF33FD-9CA2-DB29-764B-6F904A79F4D5}"/>
-                  </a:ext>
-                </a:extLst>
-              </p:cNvPr>
-              <p:cNvPicPr>
-                <a:picLocks noGrp="1" noRot="1" noChangeAspect="1" noMove="1" noResize="1" noEditPoints="1" noAdjustHandles="1" noChangeArrowheads="1" noChangeShapeType="1"/>
-              </p:cNvPicPr>
-              <p:nvPr/>
-            </p:nvPicPr>
-            <p:blipFill>
-              <a:blip r:embed="rId12"/>
-              <a:stretch>
-                <a:fillRect/>
-              </a:stretch>
-            </p:blipFill>
-            <p:spPr>
-              <a:xfrm>
-                <a:off x="1222352" y="1921066"/>
-                <a:ext cx="2880000" cy="2880000"/>
-              </a:xfrm>
-              <a:prstGeom prst="rect">
-                <a:avLst/>
-              </a:prstGeom>
-            </p:spPr>
-          </p:pic>
-        </mc:Fallback>
-      </mc:AlternateContent>
-      <mc:AlternateContent xmlns:mc="http://schemas.openxmlformats.org/markup-compatibility/2006" xmlns:pslz="http://schemas.microsoft.com/office/powerpoint/2016/slidezoom">
-        <mc:Choice Requires="pslz">
-          <p:graphicFrame>
-            <p:nvGraphicFramePr>
-              <p:cNvPr id="25" name="Slide Zoom 24">
-                <a:extLst>
-                  <a:ext uri="{FF2B5EF4-FFF2-40B4-BE49-F238E27FC236}">
-                    <a16:creationId xmlns:a16="http://schemas.microsoft.com/office/drawing/2014/main" id="{379A7CD0-F73F-51C6-FEA1-B2E3E5D10B86}"/>
-                  </a:ext>
-                </a:extLst>
-              </p:cNvPr>
-              <p:cNvGraphicFramePr>
-                <a:graphicFrameLocks noChangeAspect="1"/>
-              </p:cNvGraphicFramePr>
-              <p:nvPr>
-                <p:extLst>
-                  <p:ext uri="{D42A27DB-BD31-4B8C-83A1-F6EECF244321}">
-                    <p14:modId xmlns:p14="http://schemas.microsoft.com/office/powerpoint/2010/main" val="628214412"/>
-                  </p:ext>
-                </p:extLst>
-              </p:nvPr>
-            </p:nvGraphicFramePr>
-            <p:xfrm>
-              <a:off x="1215457" y="3832138"/>
-              <a:ext cx="2880000" cy="2880000"/>
-            </p:xfrm>
-            <a:graphic>
-              <a:graphicData uri="http://schemas.microsoft.com/office/powerpoint/2016/slidezoom">
-                <pslz:sldZm>
-                  <pslz:sldZmObj sldId="277" cId="2731755949">
-                    <pslz:zmPr id="{8C6A9EDF-8DD9-BD40-A159-409AFE11D014}" returnToParent="0" transitionDur="1000" showBg="0">
-                      <p166:blipFill xmlns:p166="http://schemas.microsoft.com/office/powerpoint/2016/6/main">
-                        <a:blip r:embed="rId13"/>
-                        <a:stretch>
-                          <a:fillRect/>
-                        </a:stretch>
-                      </p166:blipFill>
-                      <p166:spPr xmlns:p166="http://schemas.microsoft.com/office/powerpoint/2016/6/main">
-                        <a:xfrm>
-                          <a:off x="0" y="0"/>
-                          <a:ext cx="2880000" cy="2880000"/>
-                        </a:xfrm>
-                        <a:prstGeom prst="rect">
-                          <a:avLst/>
-                        </a:prstGeom>
-                      </p166:spPr>
-                    </pslz:zmPr>
-                  </pslz:sldZmObj>
-                </pslz:sldZm>
-              </a:graphicData>
-            </a:graphic>
-          </p:graphicFrame>
-        </mc:Choice>
-        <mc:Fallback xmlns="">
-          <p:pic>
-            <p:nvPicPr>
-              <p:cNvPr id="25" name="Slide Zoom 24">
-                <a:hlinkClick r:id="rId4" action="ppaction://hlinksldjump"/>
-                <a:extLst>
-                  <a:ext uri="{FF2B5EF4-FFF2-40B4-BE49-F238E27FC236}">
-                    <a16:creationId xmlns:a16="http://schemas.microsoft.com/office/drawing/2014/main" id="{379A7CD0-F73F-51C6-FEA1-B2E3E5D10B86}"/>
-                  </a:ext>
-                </a:extLst>
-              </p:cNvPr>
-              <p:cNvPicPr>
-                <a:picLocks noGrp="1" noRot="1" noChangeAspect="1" noMove="1" noResize="1" noEditPoints="1" noAdjustHandles="1" noChangeArrowheads="1" noChangeShapeType="1"/>
-              </p:cNvPicPr>
-              <p:nvPr/>
-            </p:nvPicPr>
-            <p:blipFill>
-              <a:blip r:embed="rId14"/>
-              <a:stretch>
-                <a:fillRect/>
-              </a:stretch>
-            </p:blipFill>
-            <p:spPr>
-              <a:xfrm>
-                <a:off x="1215457" y="3832138"/>
-                <a:ext cx="2880000" cy="2880000"/>
-              </a:xfrm>
-              <a:prstGeom prst="rect">
-                <a:avLst/>
-              </a:prstGeom>
-            </p:spPr>
-          </p:pic>
-        </mc:Fallback>
-      </mc:AlternateContent>
-      <p:sp>
-        <p:nvSpPr>
-          <p:cNvPr id="19" name="Hexagon 18">
+      <p:sp>
+        <p:nvSpPr>
+          <p:cNvPr id="13" name="Hexagon 12">
             <a:extLst>
               <a:ext uri="{FF2B5EF4-FFF2-40B4-BE49-F238E27FC236}">
-                <a16:creationId xmlns:a16="http://schemas.microsoft.com/office/drawing/2014/main" id="{9F595F76-399C-B615-E299-8F4F19A1FB1F}"/>
+                <a16:creationId xmlns:a16="http://schemas.microsoft.com/office/drawing/2014/main" id="{AEC0DABF-D925-27EA-A2C9-651045DA65D1}"/>
               </a:ext>
             </a:extLst>
           </p:cNvPr>
-          <p:cNvSpPr>
-            <a:spLocks noChangeAspect="1"/>
-          </p:cNvSpPr>
+          <p:cNvSpPr/>
           <p:nvPr/>
         </p:nvSpPr>
         <p:spPr>
           <a:xfrm>
-            <a:off x="2656800" y="2880000"/>
-            <a:ext cx="3326400" cy="2880707"/>
+            <a:off x="1440000" y="2494800"/>
+            <a:ext cx="5760000" cy="4989600"/>
           </a:xfrm>
           <a:prstGeom prst="hexagon">
             <a:avLst>
-              <a:gd name="adj" fmla="val 28934"/>
+              <a:gd name="adj" fmla="val 28906"/>
               <a:gd name="vf" fmla="val 115470"/>
             </a:avLst>
           </a:prstGeom>
           <a:solidFill>
             <a:schemeClr val="tx1"/>
           </a:solidFill>
-          <a:ln w="50800">
+          <a:ln>
             <a:noFill/>
           </a:ln>
         </p:spPr>
@@ -4032,902 +3599,14 @@
           <a:lstStyle/>
           <a:p>
             <a:pPr algn="ctr"/>
-            <a:endParaRPr lang="en-US" sz="1531" dirty="0"/>
+            <a:endParaRPr lang="en-GB"/>
           </a:p>
         </p:txBody>
       </p:sp>
     </p:spTree>
     <p:extLst>
       <p:ext uri="{BB962C8B-B14F-4D97-AF65-F5344CB8AC3E}">
-        <p14:creationId xmlns:p14="http://schemas.microsoft.com/office/powerpoint/2010/main" val="2731755949"/>
-      </p:ext>
-    </p:extLst>
-  </p:cSld>
-  <p:clrMapOvr>
-    <a:masterClrMapping/>
-  </p:clrMapOvr>
-</p:sld>
-</file>
-
-<file path=ppt/slides/slide2.xml><?xml version="1.0" encoding="utf-8"?>
-<p:sld xmlns:a="http://schemas.openxmlformats.org/drawingml/2006/main" xmlns:r="http://schemas.openxmlformats.org/officeDocument/2006/relationships" xmlns:p="http://schemas.openxmlformats.org/presentationml/2006/main">
-  <p:cSld>
-    <p:spTree>
-      <p:nvGrpSpPr>
-        <p:cNvPr id="1" name=""/>
-        <p:cNvGrpSpPr/>
-        <p:nvPr/>
-      </p:nvGrpSpPr>
-      <p:grpSpPr>
-        <a:xfrm>
-          <a:off x="0" y="0"/>
-          <a:ext cx="0" cy="0"/>
-          <a:chOff x="0" y="0"/>
-          <a:chExt cx="0" cy="0"/>
-        </a:xfrm>
-      </p:grpSpPr>
-      <p:sp>
-        <p:nvSpPr>
-          <p:cNvPr id="4" name="Hexagon 3">
-            <a:extLst>
-              <a:ext uri="{FF2B5EF4-FFF2-40B4-BE49-F238E27FC236}">
-                <a16:creationId xmlns:a16="http://schemas.microsoft.com/office/drawing/2014/main" id="{E270DB26-FBF8-E506-FB68-22F3B69B0CD5}"/>
-              </a:ext>
-            </a:extLst>
-          </p:cNvPr>
-          <p:cNvSpPr>
-            <a:spLocks/>
-          </p:cNvSpPr>
-          <p:nvPr/>
-        </p:nvSpPr>
-        <p:spPr>
-          <a:xfrm>
-            <a:off x="1295770" y="1479847"/>
-            <a:ext cx="3326400" cy="2880706"/>
-          </a:xfrm>
-          <a:prstGeom prst="hexagon">
-            <a:avLst/>
-          </a:prstGeom>
-          <a:noFill/>
-          <a:ln w="25400">
-            <a:solidFill>
-              <a:schemeClr val="tx1"/>
-            </a:solidFill>
-          </a:ln>
-        </p:spPr>
-        <p:style>
-          <a:lnRef idx="2">
-            <a:schemeClr val="accent1">
-              <a:shade val="50000"/>
-            </a:schemeClr>
-          </a:lnRef>
-          <a:fillRef idx="1">
-            <a:schemeClr val="accent1"/>
-          </a:fillRef>
-          <a:effectRef idx="0">
-            <a:schemeClr val="accent1"/>
-          </a:effectRef>
-          <a:fontRef idx="minor">
-            <a:schemeClr val="lt1"/>
-          </a:fontRef>
-        </p:style>
-        <p:txBody>
-          <a:bodyPr rtlCol="0" anchor="ctr"/>
-          <a:lstStyle/>
-          <a:p>
-            <a:pPr algn="ctr"/>
-            <a:endParaRPr lang="en-US" sz="1531" dirty="0"/>
-          </a:p>
-        </p:txBody>
-      </p:sp>
-      <p:cxnSp>
-        <p:nvCxnSpPr>
-          <p:cNvPr id="6" name="Straight Connector 5">
-            <a:extLst>
-              <a:ext uri="{FF2B5EF4-FFF2-40B4-BE49-F238E27FC236}">
-                <a16:creationId xmlns:a16="http://schemas.microsoft.com/office/drawing/2014/main" id="{AB3520BC-BCB7-F6AE-DA1D-4B6B07349428}"/>
-              </a:ext>
-            </a:extLst>
-          </p:cNvPr>
-          <p:cNvCxnSpPr/>
-          <p:nvPr/>
-        </p:nvCxnSpPr>
-        <p:spPr>
-          <a:xfrm>
-            <a:off x="2043115" y="1314438"/>
-            <a:ext cx="1857375" cy="0"/>
-          </a:xfrm>
-          <a:prstGeom prst="line">
-            <a:avLst/>
-          </a:prstGeom>
-          <a:ln w="12700">
-            <a:solidFill>
-              <a:schemeClr val="tx1"/>
-            </a:solidFill>
-            <a:headEnd type="triangle"/>
-            <a:tailEnd type="triangle"/>
-          </a:ln>
-        </p:spPr>
-        <p:style>
-          <a:lnRef idx="1">
-            <a:schemeClr val="accent1"/>
-          </a:lnRef>
-          <a:fillRef idx="0">
-            <a:schemeClr val="accent1"/>
-          </a:fillRef>
-          <a:effectRef idx="0">
-            <a:schemeClr val="accent1"/>
-          </a:effectRef>
-          <a:fontRef idx="minor">
-            <a:schemeClr val="tx1"/>
-          </a:fontRef>
-        </p:style>
-      </p:cxnSp>
-      <p:cxnSp>
-        <p:nvCxnSpPr>
-          <p:cNvPr id="7" name="Straight Connector 6">
-            <a:extLst>
-              <a:ext uri="{FF2B5EF4-FFF2-40B4-BE49-F238E27FC236}">
-                <a16:creationId xmlns:a16="http://schemas.microsoft.com/office/drawing/2014/main" id="{A7D34850-44B3-6F4A-E905-DA9B18552443}"/>
-              </a:ext>
-            </a:extLst>
-          </p:cNvPr>
-          <p:cNvCxnSpPr>
-            <a:cxnSpLocks/>
-            <a:endCxn id="4" idx="0"/>
-          </p:cNvCxnSpPr>
-          <p:nvPr/>
-        </p:nvCxnSpPr>
-        <p:spPr>
-          <a:xfrm>
-            <a:off x="1338265" y="2920200"/>
-            <a:ext cx="3283905" cy="0"/>
-          </a:xfrm>
-          <a:prstGeom prst="line">
-            <a:avLst/>
-          </a:prstGeom>
-          <a:ln w="12700">
-            <a:solidFill>
-              <a:schemeClr val="tx1"/>
-            </a:solidFill>
-            <a:headEnd type="none"/>
-            <a:tailEnd type="none"/>
-          </a:ln>
-        </p:spPr>
-        <p:style>
-          <a:lnRef idx="1">
-            <a:schemeClr val="accent1"/>
-          </a:lnRef>
-          <a:fillRef idx="0">
-            <a:schemeClr val="accent1"/>
-          </a:fillRef>
-          <a:effectRef idx="0">
-            <a:schemeClr val="accent1"/>
-          </a:effectRef>
-          <a:fontRef idx="minor">
-            <a:schemeClr val="tx1"/>
-          </a:fontRef>
-        </p:style>
-      </p:cxnSp>
-      <p:cxnSp>
-        <p:nvCxnSpPr>
-          <p:cNvPr id="9" name="Straight Connector 8">
-            <a:extLst>
-              <a:ext uri="{FF2B5EF4-FFF2-40B4-BE49-F238E27FC236}">
-                <a16:creationId xmlns:a16="http://schemas.microsoft.com/office/drawing/2014/main" id="{AEA48489-5589-9B3D-9EA7-00E4894AC21E}"/>
-              </a:ext>
-            </a:extLst>
-          </p:cNvPr>
-          <p:cNvCxnSpPr>
-            <a:cxnSpLocks/>
-          </p:cNvCxnSpPr>
-          <p:nvPr/>
-        </p:nvCxnSpPr>
-        <p:spPr>
-          <a:xfrm flipV="1">
-            <a:off x="5081590" y="1479847"/>
-            <a:ext cx="0" cy="2880706"/>
-          </a:xfrm>
-          <a:prstGeom prst="line">
-            <a:avLst/>
-          </a:prstGeom>
-          <a:ln w="12700">
-            <a:solidFill>
-              <a:schemeClr val="tx1"/>
-            </a:solidFill>
-            <a:headEnd type="triangle"/>
-            <a:tailEnd type="triangle"/>
-          </a:ln>
-        </p:spPr>
-        <p:style>
-          <a:lnRef idx="1">
-            <a:schemeClr val="accent1"/>
-          </a:lnRef>
-          <a:fillRef idx="0">
-            <a:schemeClr val="accent1"/>
-          </a:fillRef>
-          <a:effectRef idx="0">
-            <a:schemeClr val="accent1"/>
-          </a:effectRef>
-          <a:fontRef idx="minor">
-            <a:schemeClr val="tx1"/>
-          </a:fontRef>
-        </p:style>
-      </p:cxnSp>
-      <p:sp>
-        <p:nvSpPr>
-          <p:cNvPr id="12" name="TextBox 11">
-            <a:extLst>
-              <a:ext uri="{FF2B5EF4-FFF2-40B4-BE49-F238E27FC236}">
-                <a16:creationId xmlns:a16="http://schemas.microsoft.com/office/drawing/2014/main" id="{C55E6CF1-814E-CD44-A529-BA5E49C432D1}"/>
-              </a:ext>
-            </a:extLst>
-          </p:cNvPr>
-          <p:cNvSpPr txBox="1"/>
-          <p:nvPr/>
-        </p:nvSpPr>
-        <p:spPr>
-          <a:xfrm>
-            <a:off x="2895599" y="4838684"/>
-            <a:ext cx="301686" cy="369332"/>
-          </a:xfrm>
-          <a:prstGeom prst="rect">
-            <a:avLst/>
-          </a:prstGeom>
-          <a:noFill/>
-        </p:spPr>
-        <p:txBody>
-          <a:bodyPr wrap="none" rtlCol="0">
-            <a:spAutoFit/>
-          </a:bodyPr>
-          <a:lstStyle/>
-          <a:p>
-            <a:r>
-              <a:rPr lang="en-GB" dirty="0"/>
-              <a:t>2</a:t>
-            </a:r>
-          </a:p>
-        </p:txBody>
-      </p:sp>
-      <p:cxnSp>
-        <p:nvCxnSpPr>
-          <p:cNvPr id="13" name="Straight Connector 12">
-            <a:extLst>
-              <a:ext uri="{FF2B5EF4-FFF2-40B4-BE49-F238E27FC236}">
-                <a16:creationId xmlns:a16="http://schemas.microsoft.com/office/drawing/2014/main" id="{E64F0C0F-8760-9D79-E7A5-8D6986F6DFB4}"/>
-              </a:ext>
-            </a:extLst>
-          </p:cNvPr>
-          <p:cNvCxnSpPr>
-            <a:cxnSpLocks/>
-            <a:stCxn id="4" idx="2"/>
-          </p:cNvCxnSpPr>
-          <p:nvPr/>
-        </p:nvCxnSpPr>
-        <p:spPr>
-          <a:xfrm flipV="1">
-            <a:off x="2015947" y="2920200"/>
-            <a:ext cx="955855" cy="1440352"/>
-          </a:xfrm>
-          <a:prstGeom prst="line">
-            <a:avLst/>
-          </a:prstGeom>
-          <a:ln w="12700">
-            <a:solidFill>
-              <a:schemeClr val="tx1"/>
-            </a:solidFill>
-            <a:headEnd type="none"/>
-            <a:tailEnd type="none"/>
-          </a:ln>
-        </p:spPr>
-        <p:style>
-          <a:lnRef idx="1">
-            <a:schemeClr val="accent1"/>
-          </a:lnRef>
-          <a:fillRef idx="0">
-            <a:schemeClr val="accent1"/>
-          </a:fillRef>
-          <a:effectRef idx="0">
-            <a:schemeClr val="accent1"/>
-          </a:effectRef>
-          <a:fontRef idx="minor">
-            <a:schemeClr val="tx1"/>
-          </a:fontRef>
-        </p:style>
-      </p:cxnSp>
-      <p:cxnSp>
-        <p:nvCxnSpPr>
-          <p:cNvPr id="16" name="Straight Connector 15">
-            <a:extLst>
-              <a:ext uri="{FF2B5EF4-FFF2-40B4-BE49-F238E27FC236}">
-                <a16:creationId xmlns:a16="http://schemas.microsoft.com/office/drawing/2014/main" id="{DA2A73C5-C603-3244-90D9-20FB16C24A9A}"/>
-              </a:ext>
-            </a:extLst>
-          </p:cNvPr>
-          <p:cNvCxnSpPr>
-            <a:cxnSpLocks/>
-            <a:stCxn id="4" idx="1"/>
-          </p:cNvCxnSpPr>
-          <p:nvPr/>
-        </p:nvCxnSpPr>
-        <p:spPr>
-          <a:xfrm flipH="1" flipV="1">
-            <a:off x="3003578" y="2920200"/>
-            <a:ext cx="898416" cy="1440352"/>
-          </a:xfrm>
-          <a:prstGeom prst="line">
-            <a:avLst/>
-          </a:prstGeom>
-          <a:ln w="12700">
-            <a:solidFill>
-              <a:schemeClr val="tx1"/>
-            </a:solidFill>
-            <a:headEnd type="none"/>
-            <a:tailEnd type="none"/>
-          </a:ln>
-        </p:spPr>
-        <p:style>
-          <a:lnRef idx="1">
-            <a:schemeClr val="accent1"/>
-          </a:lnRef>
-          <a:fillRef idx="0">
-            <a:schemeClr val="accent1"/>
-          </a:fillRef>
-          <a:effectRef idx="0">
-            <a:schemeClr val="accent1"/>
-          </a:effectRef>
-          <a:fontRef idx="minor">
-            <a:schemeClr val="tx1"/>
-          </a:fontRef>
-        </p:style>
-      </p:cxnSp>
-      <p:cxnSp>
-        <p:nvCxnSpPr>
-          <p:cNvPr id="19" name="Straight Connector 18">
-            <a:extLst>
-              <a:ext uri="{FF2B5EF4-FFF2-40B4-BE49-F238E27FC236}">
-                <a16:creationId xmlns:a16="http://schemas.microsoft.com/office/drawing/2014/main" id="{8C5F54BD-9711-A3A5-2750-6B878E94AAEC}"/>
-              </a:ext>
-            </a:extLst>
-          </p:cNvPr>
-          <p:cNvCxnSpPr>
-            <a:cxnSpLocks/>
-          </p:cNvCxnSpPr>
-          <p:nvPr/>
-        </p:nvCxnSpPr>
-        <p:spPr>
-          <a:xfrm flipV="1">
-            <a:off x="2989290" y="2908458"/>
-            <a:ext cx="0" cy="1452094"/>
-          </a:xfrm>
-          <a:prstGeom prst="line">
-            <a:avLst/>
-          </a:prstGeom>
-          <a:ln w="12700">
-            <a:solidFill>
-              <a:schemeClr val="tx1"/>
-            </a:solidFill>
-            <a:headEnd type="none"/>
-            <a:tailEnd type="none"/>
-          </a:ln>
-        </p:spPr>
-        <p:style>
-          <a:lnRef idx="1">
-            <a:schemeClr val="accent1"/>
-          </a:lnRef>
-          <a:fillRef idx="0">
-            <a:schemeClr val="accent1"/>
-          </a:fillRef>
-          <a:effectRef idx="0">
-            <a:schemeClr val="accent1"/>
-          </a:effectRef>
-          <a:fontRef idx="minor">
-            <a:schemeClr val="tx1"/>
-          </a:fontRef>
-        </p:style>
-      </p:cxnSp>
-      <p:cxnSp>
-        <p:nvCxnSpPr>
-          <p:cNvPr id="24" name="Straight Connector 23">
-            <a:extLst>
-              <a:ext uri="{FF2B5EF4-FFF2-40B4-BE49-F238E27FC236}">
-                <a16:creationId xmlns:a16="http://schemas.microsoft.com/office/drawing/2014/main" id="{D7CBDF03-111D-01DB-552B-7C5753E0C8DE}"/>
-              </a:ext>
-            </a:extLst>
-          </p:cNvPr>
-          <p:cNvCxnSpPr>
-            <a:cxnSpLocks/>
-          </p:cNvCxnSpPr>
-          <p:nvPr/>
-        </p:nvCxnSpPr>
-        <p:spPr>
-          <a:xfrm>
-            <a:off x="1310798" y="4887112"/>
-            <a:ext cx="3283905" cy="0"/>
-          </a:xfrm>
-          <a:prstGeom prst="line">
-            <a:avLst/>
-          </a:prstGeom>
-          <a:ln w="12700">
-            <a:solidFill>
-              <a:schemeClr val="tx1"/>
-            </a:solidFill>
-            <a:headEnd type="triangle"/>
-            <a:tailEnd type="triangle"/>
-          </a:ln>
-        </p:spPr>
-        <p:style>
-          <a:lnRef idx="1">
-            <a:schemeClr val="accent1"/>
-          </a:lnRef>
-          <a:fillRef idx="0">
-            <a:schemeClr val="accent1"/>
-          </a:fillRef>
-          <a:effectRef idx="0">
-            <a:schemeClr val="accent1"/>
-          </a:effectRef>
-          <a:fontRef idx="minor">
-            <a:schemeClr val="tx1"/>
-          </a:fontRef>
-        </p:style>
-      </p:cxnSp>
-      <p:sp>
-        <p:nvSpPr>
-          <p:cNvPr id="25" name="TextBox 24">
-            <a:extLst>
-              <a:ext uri="{FF2B5EF4-FFF2-40B4-BE49-F238E27FC236}">
-                <a16:creationId xmlns:a16="http://schemas.microsoft.com/office/drawing/2014/main" id="{CC2D9A39-1F3F-FA17-4F1B-BFE9687B2634}"/>
-              </a:ext>
-            </a:extLst>
-          </p:cNvPr>
-          <p:cNvSpPr txBox="1"/>
-          <p:nvPr/>
-        </p:nvSpPr>
-        <p:spPr>
-          <a:xfrm>
-            <a:off x="2352672" y="4038603"/>
-            <a:ext cx="508473" cy="369332"/>
-          </a:xfrm>
-          <a:prstGeom prst="rect">
-            <a:avLst/>
-          </a:prstGeom>
-          <a:noFill/>
-        </p:spPr>
-        <p:txBody>
-          <a:bodyPr wrap="none" rtlCol="0">
-            <a:spAutoFit/>
-          </a:bodyPr>
-          <a:lstStyle/>
-          <a:p>
-            <a:r>
-              <a:rPr lang="en-GB" dirty="0"/>
-              <a:t>1/2</a:t>
-            </a:r>
-          </a:p>
-        </p:txBody>
-      </p:sp>
-      <p:sp>
-        <p:nvSpPr>
-          <p:cNvPr id="26" name="TextBox 25">
-            <a:extLst>
-              <a:ext uri="{FF2B5EF4-FFF2-40B4-BE49-F238E27FC236}">
-                <a16:creationId xmlns:a16="http://schemas.microsoft.com/office/drawing/2014/main" id="{986A140B-7FF6-533C-1C74-BE73DB8D76C5}"/>
-              </a:ext>
-            </a:extLst>
-          </p:cNvPr>
-          <p:cNvSpPr txBox="1"/>
-          <p:nvPr/>
-        </p:nvSpPr>
-        <p:spPr>
-          <a:xfrm>
-            <a:off x="1796652" y="5526337"/>
-            <a:ext cx="1854995" cy="1477328"/>
-          </a:xfrm>
-          <a:prstGeom prst="rect">
-            <a:avLst/>
-          </a:prstGeom>
-          <a:noFill/>
-        </p:spPr>
-        <p:txBody>
-          <a:bodyPr wrap="none" rtlCol="0">
-            <a:spAutoFit/>
-          </a:bodyPr>
-          <a:lstStyle/>
-          <a:p>
-            <a:r>
-              <a:rPr lang="en-GB" dirty="0"/>
-              <a:t>(1/2)</a:t>
-            </a:r>
-            <a:r>
-              <a:rPr lang="en-GB" baseline="30000" dirty="0"/>
-              <a:t>2</a:t>
-            </a:r>
-            <a:r>
-              <a:rPr lang="en-GB" dirty="0"/>
-              <a:t> + x</a:t>
-            </a:r>
-            <a:r>
-              <a:rPr lang="en-GB" baseline="30000" dirty="0"/>
-              <a:t>2</a:t>
-            </a:r>
-            <a:r>
-              <a:rPr lang="en-GB" dirty="0"/>
-              <a:t> = 1</a:t>
-            </a:r>
-            <a:r>
-              <a:rPr lang="en-GB" baseline="30000" dirty="0"/>
-              <a:t>2</a:t>
-            </a:r>
-            <a:endParaRPr lang="en-GB" dirty="0"/>
-          </a:p>
-          <a:p>
-            <a:endParaRPr lang="en-GB" dirty="0"/>
-          </a:p>
-          <a:p>
-            <a:r>
-              <a:rPr lang="en-GB" dirty="0"/>
-              <a:t>x</a:t>
-            </a:r>
-            <a:r>
-              <a:rPr lang="en-GB" baseline="30000" dirty="0"/>
-              <a:t>2</a:t>
-            </a:r>
-            <a:r>
-              <a:rPr lang="en-GB" dirty="0"/>
-              <a:t> = 1 - 1/4 = 3/4</a:t>
-            </a:r>
-          </a:p>
-          <a:p>
-            <a:endParaRPr lang="en-GB" dirty="0"/>
-          </a:p>
-          <a:p>
-            <a:r>
-              <a:rPr lang="en-GB" dirty="0"/>
-              <a:t>x = √3 / 2 ≃ 0.866</a:t>
-            </a:r>
-          </a:p>
-        </p:txBody>
-      </p:sp>
-      <p:sp>
-        <p:nvSpPr>
-          <p:cNvPr id="27" name="TextBox 26">
-            <a:extLst>
-              <a:ext uri="{FF2B5EF4-FFF2-40B4-BE49-F238E27FC236}">
-                <a16:creationId xmlns:a16="http://schemas.microsoft.com/office/drawing/2014/main" id="{15469C15-0C2C-19C3-1157-C69B0627C6D5}"/>
-              </a:ext>
-            </a:extLst>
-          </p:cNvPr>
-          <p:cNvSpPr txBox="1"/>
-          <p:nvPr/>
-        </p:nvSpPr>
-        <p:spPr>
-          <a:xfrm>
-            <a:off x="2214558" y="3428998"/>
-            <a:ext cx="301686" cy="369332"/>
-          </a:xfrm>
-          <a:prstGeom prst="rect">
-            <a:avLst/>
-          </a:prstGeom>
-          <a:noFill/>
-        </p:spPr>
-        <p:txBody>
-          <a:bodyPr wrap="none" rtlCol="0">
-            <a:spAutoFit/>
-          </a:bodyPr>
-          <a:lstStyle/>
-          <a:p>
-            <a:r>
-              <a:rPr lang="en-GB" dirty="0"/>
-              <a:t>1</a:t>
-            </a:r>
-          </a:p>
-        </p:txBody>
-      </p:sp>
-      <p:sp>
-        <p:nvSpPr>
-          <p:cNvPr id="28" name="TextBox 27">
-            <a:extLst>
-              <a:ext uri="{FF2B5EF4-FFF2-40B4-BE49-F238E27FC236}">
-                <a16:creationId xmlns:a16="http://schemas.microsoft.com/office/drawing/2014/main" id="{92FE7287-FCC4-FDFE-929F-1D404BF24A15}"/>
-              </a:ext>
-            </a:extLst>
-          </p:cNvPr>
-          <p:cNvSpPr txBox="1"/>
-          <p:nvPr/>
-        </p:nvSpPr>
-        <p:spPr>
-          <a:xfrm>
-            <a:off x="2724150" y="3609974"/>
-            <a:ext cx="284052" cy="369332"/>
-          </a:xfrm>
-          <a:prstGeom prst="rect">
-            <a:avLst/>
-          </a:prstGeom>
-          <a:noFill/>
-        </p:spPr>
-        <p:txBody>
-          <a:bodyPr wrap="none" rtlCol="0">
-            <a:spAutoFit/>
-          </a:bodyPr>
-          <a:lstStyle/>
-          <a:p>
-            <a:r>
-              <a:rPr lang="en-GB" dirty="0"/>
-              <a:t>x</a:t>
-            </a:r>
-          </a:p>
-        </p:txBody>
-      </p:sp>
-      <p:sp>
-        <p:nvSpPr>
-          <p:cNvPr id="29" name="TextBox 28">
-            <a:extLst>
-              <a:ext uri="{FF2B5EF4-FFF2-40B4-BE49-F238E27FC236}">
-                <a16:creationId xmlns:a16="http://schemas.microsoft.com/office/drawing/2014/main" id="{1F46E8ED-A418-7280-5BC3-6DA040724931}"/>
-              </a:ext>
-            </a:extLst>
-          </p:cNvPr>
-          <p:cNvSpPr txBox="1"/>
-          <p:nvPr/>
-        </p:nvSpPr>
-        <p:spPr>
-          <a:xfrm>
-            <a:off x="2881317" y="995349"/>
-            <a:ext cx="301686" cy="369332"/>
-          </a:xfrm>
-          <a:prstGeom prst="rect">
-            <a:avLst/>
-          </a:prstGeom>
-          <a:noFill/>
-        </p:spPr>
-        <p:txBody>
-          <a:bodyPr wrap="none" rtlCol="0">
-            <a:spAutoFit/>
-          </a:bodyPr>
-          <a:lstStyle/>
-          <a:p>
-            <a:r>
-              <a:rPr lang="en-GB" dirty="0"/>
-              <a:t>1</a:t>
-            </a:r>
-          </a:p>
-        </p:txBody>
-      </p:sp>
-      <p:sp>
-        <p:nvSpPr>
-          <p:cNvPr id="30" name="TextBox 29">
-            <a:extLst>
-              <a:ext uri="{FF2B5EF4-FFF2-40B4-BE49-F238E27FC236}">
-                <a16:creationId xmlns:a16="http://schemas.microsoft.com/office/drawing/2014/main" id="{33E583E3-380A-63B4-5E33-8F1C8D5B4D43}"/>
-              </a:ext>
-            </a:extLst>
-          </p:cNvPr>
-          <p:cNvSpPr txBox="1"/>
-          <p:nvPr/>
-        </p:nvSpPr>
-        <p:spPr>
-          <a:xfrm>
-            <a:off x="5133980" y="2733646"/>
-            <a:ext cx="1221809" cy="369332"/>
-          </a:xfrm>
-          <a:prstGeom prst="rect">
-            <a:avLst/>
-          </a:prstGeom>
-          <a:noFill/>
-        </p:spPr>
-        <p:txBody>
-          <a:bodyPr wrap="none" rtlCol="0">
-            <a:spAutoFit/>
-          </a:bodyPr>
-          <a:lstStyle/>
-          <a:p>
-            <a:r>
-              <a:rPr lang="en-GB" dirty="0"/>
-              <a:t>√3 ≃ 1.732</a:t>
-            </a:r>
-          </a:p>
-        </p:txBody>
-      </p:sp>
-      <p:cxnSp>
-        <p:nvCxnSpPr>
-          <p:cNvPr id="31" name="Straight Connector 30">
-            <a:extLst>
-              <a:ext uri="{FF2B5EF4-FFF2-40B4-BE49-F238E27FC236}">
-                <a16:creationId xmlns:a16="http://schemas.microsoft.com/office/drawing/2014/main" id="{471176F7-11C0-057A-2D7D-20D47A5946C2}"/>
-              </a:ext>
-            </a:extLst>
-          </p:cNvPr>
-          <p:cNvCxnSpPr>
-            <a:cxnSpLocks/>
-          </p:cNvCxnSpPr>
-          <p:nvPr/>
-        </p:nvCxnSpPr>
-        <p:spPr>
-          <a:xfrm flipV="1">
-            <a:off x="1294210" y="2908458"/>
-            <a:ext cx="0" cy="1978654"/>
-          </a:xfrm>
-          <a:prstGeom prst="line">
-            <a:avLst/>
-          </a:prstGeom>
-          <a:ln w="12700">
-            <a:solidFill>
-              <a:schemeClr val="tx1">
-                <a:lumMod val="50000"/>
-                <a:lumOff val="50000"/>
-              </a:schemeClr>
-            </a:solidFill>
-            <a:prstDash val="dash"/>
-            <a:headEnd type="none"/>
-            <a:tailEnd type="none"/>
-          </a:ln>
-        </p:spPr>
-        <p:style>
-          <a:lnRef idx="1">
-            <a:schemeClr val="accent1"/>
-          </a:lnRef>
-          <a:fillRef idx="0">
-            <a:schemeClr val="accent1"/>
-          </a:fillRef>
-          <a:effectRef idx="0">
-            <a:schemeClr val="accent1"/>
-          </a:effectRef>
-          <a:fontRef idx="minor">
-            <a:schemeClr val="tx1"/>
-          </a:fontRef>
-        </p:style>
-      </p:cxnSp>
-      <p:cxnSp>
-        <p:nvCxnSpPr>
-          <p:cNvPr id="33" name="Straight Connector 32">
-            <a:extLst>
-              <a:ext uri="{FF2B5EF4-FFF2-40B4-BE49-F238E27FC236}">
-                <a16:creationId xmlns:a16="http://schemas.microsoft.com/office/drawing/2014/main" id="{45F997A4-7741-E422-61B1-CD26F580337B}"/>
-              </a:ext>
-            </a:extLst>
-          </p:cNvPr>
-          <p:cNvCxnSpPr>
-            <a:cxnSpLocks/>
-          </p:cNvCxnSpPr>
-          <p:nvPr/>
-        </p:nvCxnSpPr>
-        <p:spPr>
-          <a:xfrm flipV="1">
-            <a:off x="4622170" y="2908458"/>
-            <a:ext cx="0" cy="1978654"/>
-          </a:xfrm>
-          <a:prstGeom prst="line">
-            <a:avLst/>
-          </a:prstGeom>
-          <a:ln w="12700">
-            <a:solidFill>
-              <a:schemeClr val="tx1">
-                <a:lumMod val="50000"/>
-                <a:lumOff val="50000"/>
-              </a:schemeClr>
-            </a:solidFill>
-            <a:prstDash val="dash"/>
-            <a:headEnd type="none"/>
-            <a:tailEnd type="none"/>
-          </a:ln>
-        </p:spPr>
-        <p:style>
-          <a:lnRef idx="1">
-            <a:schemeClr val="accent1"/>
-          </a:lnRef>
-          <a:fillRef idx="0">
-            <a:schemeClr val="accent1"/>
-          </a:fillRef>
-          <a:effectRef idx="0">
-            <a:schemeClr val="accent1"/>
-          </a:effectRef>
-          <a:fontRef idx="minor">
-            <a:schemeClr val="tx1"/>
-          </a:fontRef>
-        </p:style>
-      </p:cxnSp>
-      <p:cxnSp>
-        <p:nvCxnSpPr>
-          <p:cNvPr id="34" name="Straight Connector 33">
-            <a:extLst>
-              <a:ext uri="{FF2B5EF4-FFF2-40B4-BE49-F238E27FC236}">
-                <a16:creationId xmlns:a16="http://schemas.microsoft.com/office/drawing/2014/main" id="{AEA9ED5B-EA51-62B2-C86C-DEFE747A65EB}"/>
-              </a:ext>
-            </a:extLst>
-          </p:cNvPr>
-          <p:cNvCxnSpPr>
-            <a:cxnSpLocks/>
-          </p:cNvCxnSpPr>
-          <p:nvPr/>
-        </p:nvCxnSpPr>
-        <p:spPr>
-          <a:xfrm flipH="1">
-            <a:off x="3900490" y="1479847"/>
-            <a:ext cx="1233490" cy="0"/>
-          </a:xfrm>
-          <a:prstGeom prst="line">
-            <a:avLst/>
-          </a:prstGeom>
-          <a:ln w="12700">
-            <a:solidFill>
-              <a:schemeClr val="tx1">
-                <a:lumMod val="50000"/>
-                <a:lumOff val="50000"/>
-              </a:schemeClr>
-            </a:solidFill>
-            <a:prstDash val="dash"/>
-            <a:headEnd type="none"/>
-            <a:tailEnd type="none"/>
-          </a:ln>
-        </p:spPr>
-        <p:style>
-          <a:lnRef idx="1">
-            <a:schemeClr val="accent1"/>
-          </a:lnRef>
-          <a:fillRef idx="0">
-            <a:schemeClr val="accent1"/>
-          </a:fillRef>
-          <a:effectRef idx="0">
-            <a:schemeClr val="accent1"/>
-          </a:effectRef>
-          <a:fontRef idx="minor">
-            <a:schemeClr val="tx1"/>
-          </a:fontRef>
-        </p:style>
-      </p:cxnSp>
-      <p:cxnSp>
-        <p:nvCxnSpPr>
-          <p:cNvPr id="37" name="Straight Connector 36">
-            <a:extLst>
-              <a:ext uri="{FF2B5EF4-FFF2-40B4-BE49-F238E27FC236}">
-                <a16:creationId xmlns:a16="http://schemas.microsoft.com/office/drawing/2014/main" id="{64ED47E8-63B3-04EF-729B-1438CBBCF212}"/>
-              </a:ext>
-            </a:extLst>
-          </p:cNvPr>
-          <p:cNvCxnSpPr>
-            <a:cxnSpLocks/>
-          </p:cNvCxnSpPr>
-          <p:nvPr/>
-        </p:nvCxnSpPr>
-        <p:spPr>
-          <a:xfrm flipH="1">
-            <a:off x="3900490" y="4360552"/>
-            <a:ext cx="1233490" cy="0"/>
-          </a:xfrm>
-          <a:prstGeom prst="line">
-            <a:avLst/>
-          </a:prstGeom>
-          <a:ln w="12700">
-            <a:solidFill>
-              <a:schemeClr val="tx1">
-                <a:lumMod val="50000"/>
-                <a:lumOff val="50000"/>
-              </a:schemeClr>
-            </a:solidFill>
-            <a:prstDash val="dash"/>
-            <a:headEnd type="none"/>
-            <a:tailEnd type="none"/>
-          </a:ln>
-        </p:spPr>
-        <p:style>
-          <a:lnRef idx="1">
-            <a:schemeClr val="accent1"/>
-          </a:lnRef>
-          <a:fillRef idx="0">
-            <a:schemeClr val="accent1"/>
-          </a:fillRef>
-          <a:effectRef idx="0">
-            <a:schemeClr val="accent1"/>
-          </a:effectRef>
-          <a:fontRef idx="minor">
-            <a:schemeClr val="tx1"/>
-          </a:fontRef>
-        </p:style>
-      </p:cxnSp>
-    </p:spTree>
-    <p:extLst>
-      <p:ext uri="{BB962C8B-B14F-4D97-AF65-F5344CB8AC3E}">
-        <p14:creationId xmlns:p14="http://schemas.microsoft.com/office/powerpoint/2010/main" val="3343049230"/>
+        <p14:creationId xmlns:p14="http://schemas.microsoft.com/office/powerpoint/2010/main" val="2261246777"/>
       </p:ext>
     </p:extLst>
   </p:cSld>
@@ -5198,301 +3877,6 @@
 </a:theme>
 </file>
 
-<file path=ppt/theme/theme2.xml><?xml version="1.0" encoding="utf-8"?>
-<a:theme xmlns:a="http://schemas.openxmlformats.org/drawingml/2006/main" name="Office Theme">
-  <a:themeElements>
-    <a:clrScheme name="Office">
-      <a:dk1>
-        <a:sysClr val="windowText" lastClr="000000"/>
-      </a:dk1>
-      <a:lt1>
-        <a:sysClr val="window" lastClr="FFFFFF"/>
-      </a:lt1>
-      <a:dk2>
-        <a:srgbClr val="44546A"/>
-      </a:dk2>
-      <a:lt2>
-        <a:srgbClr val="E7E6E6"/>
-      </a:lt2>
-      <a:accent1>
-        <a:srgbClr val="4472C4"/>
-      </a:accent1>
-      <a:accent2>
-        <a:srgbClr val="ED7D31"/>
-      </a:accent2>
-      <a:accent3>
-        <a:srgbClr val="A5A5A5"/>
-      </a:accent3>
-      <a:accent4>
-        <a:srgbClr val="FFC000"/>
-      </a:accent4>
-      <a:accent5>
-        <a:srgbClr val="5B9BD5"/>
-      </a:accent5>
-      <a:accent6>
-        <a:srgbClr val="70AD47"/>
-      </a:accent6>
-      <a:hlink>
-        <a:srgbClr val="0563C1"/>
-      </a:hlink>
-      <a:folHlink>
-        <a:srgbClr val="954F72"/>
-      </a:folHlink>
-    </a:clrScheme>
-    <a:fontScheme name="Office">
-      <a:majorFont>
-        <a:latin typeface="Calibri Light" panose="020F0302020204030204"/>
-        <a:ea typeface=""/>
-        <a:cs typeface=""/>
-        <a:font script="Jpan" typeface="游ゴシック Light"/>
-        <a:font script="Hang" typeface="맑은 고딕"/>
-        <a:font script="Hans" typeface="等线 Light"/>
-        <a:font script="Hant" typeface="新細明體"/>
-        <a:font script="Arab" typeface="Times New Roman"/>
-        <a:font script="Hebr" typeface="Times New Roman"/>
-        <a:font script="Thai" typeface="Angsana New"/>
-        <a:font script="Ethi" typeface="Nyala"/>
-        <a:font script="Beng" typeface="Vrinda"/>
-        <a:font script="Gujr" typeface="Shruti"/>
-        <a:font script="Khmr" typeface="MoolBoran"/>
-        <a:font script="Knda" typeface="Tunga"/>
-        <a:font script="Guru" typeface="Raavi"/>
-        <a:font script="Cans" typeface="Euphemia"/>
-        <a:font script="Cher" typeface="Plantagenet Cherokee"/>
-        <a:font script="Yiii" typeface="Microsoft Yi Baiti"/>
-        <a:font script="Tibt" typeface="Microsoft Himalaya"/>
-        <a:font script="Thaa" typeface="MV Boli"/>
-        <a:font script="Deva" typeface="Mangal"/>
-        <a:font script="Telu" typeface="Gautami"/>
-        <a:font script="Taml" typeface="Latha"/>
-        <a:font script="Syrc" typeface="Estrangelo Edessa"/>
-        <a:font script="Orya" typeface="Kalinga"/>
-        <a:font script="Mlym" typeface="Kartika"/>
-        <a:font script="Laoo" typeface="DokChampa"/>
-        <a:font script="Sinh" typeface="Iskoola Pota"/>
-        <a:font script="Mong" typeface="Mongolian Baiti"/>
-        <a:font script="Viet" typeface="Times New Roman"/>
-        <a:font script="Uigh" typeface="Microsoft Uighur"/>
-        <a:font script="Geor" typeface="Sylfaen"/>
-        <a:font script="Armn" typeface="Arial"/>
-        <a:font script="Bugi" typeface="Leelawadee UI"/>
-        <a:font script="Bopo" typeface="Microsoft JhengHei"/>
-        <a:font script="Java" typeface="Javanese Text"/>
-        <a:font script="Lisu" typeface="Segoe UI"/>
-        <a:font script="Mymr" typeface="Myanmar Text"/>
-        <a:font script="Nkoo" typeface="Ebrima"/>
-        <a:font script="Olck" typeface="Nirmala UI"/>
-        <a:font script="Osma" typeface="Ebrima"/>
-        <a:font script="Phag" typeface="Phagspa"/>
-        <a:font script="Syrn" typeface="Estrangelo Edessa"/>
-        <a:font script="Syrj" typeface="Estrangelo Edessa"/>
-        <a:font script="Syre" typeface="Estrangelo Edessa"/>
-        <a:font script="Sora" typeface="Nirmala UI"/>
-        <a:font script="Tale" typeface="Microsoft Tai Le"/>
-        <a:font script="Talu" typeface="Microsoft New Tai Lue"/>
-        <a:font script="Tfng" typeface="Ebrima"/>
-      </a:majorFont>
-      <a:minorFont>
-        <a:latin typeface="Calibri" panose="020F0502020204030204"/>
-        <a:ea typeface=""/>
-        <a:cs typeface=""/>
-        <a:font script="Jpan" typeface="游ゴシック"/>
-        <a:font script="Hang" typeface="맑은 고딕"/>
-        <a:font script="Hans" typeface="等线"/>
-        <a:font script="Hant" typeface="新細明體"/>
-        <a:font script="Arab" typeface="Arial"/>
-        <a:font script="Hebr" typeface="Arial"/>
-        <a:font script="Thai" typeface="Cordia New"/>
-        <a:font script="Ethi" typeface="Nyala"/>
-        <a:font script="Beng" typeface="Vrinda"/>
-        <a:font script="Gujr" typeface="Shruti"/>
-        <a:font script="Khmr" typeface="DaunPenh"/>
-        <a:font script="Knda" typeface="Tunga"/>
-        <a:font script="Guru" typeface="Raavi"/>
-        <a:font script="Cans" typeface="Euphemia"/>
-        <a:font script="Cher" typeface="Plantagenet Cherokee"/>
-        <a:font script="Yiii" typeface="Microsoft Yi Baiti"/>
-        <a:font script="Tibt" typeface="Microsoft Himalaya"/>
-        <a:font script="Thaa" typeface="MV Boli"/>
-        <a:font script="Deva" typeface="Mangal"/>
-        <a:font script="Telu" typeface="Gautami"/>
-        <a:font script="Taml" typeface="Latha"/>
-        <a:font script="Syrc" typeface="Estrangelo Edessa"/>
-        <a:font script="Orya" typeface="Kalinga"/>
-        <a:font script="Mlym" typeface="Kartika"/>
-        <a:font script="Laoo" typeface="DokChampa"/>
-        <a:font script="Sinh" typeface="Iskoola Pota"/>
-        <a:font script="Mong" typeface="Mongolian Baiti"/>
-        <a:font script="Viet" typeface="Arial"/>
-        <a:font script="Uigh" typeface="Microsoft Uighur"/>
-        <a:font script="Geor" typeface="Sylfaen"/>
-        <a:font script="Armn" typeface="Arial"/>
-        <a:font script="Bugi" typeface="Leelawadee UI"/>
-        <a:font script="Bopo" typeface="Microsoft JhengHei"/>
-        <a:font script="Java" typeface="Javanese Text"/>
-        <a:font script="Lisu" typeface="Segoe UI"/>
-        <a:font script="Mymr" typeface="Myanmar Text"/>
-        <a:font script="Nkoo" typeface="Ebrima"/>
-        <a:font script="Olck" typeface="Nirmala UI"/>
-        <a:font script="Osma" typeface="Ebrima"/>
-        <a:font script="Phag" typeface="Phagspa"/>
-        <a:font script="Syrn" typeface="Estrangelo Edessa"/>
-        <a:font script="Syrj" typeface="Estrangelo Edessa"/>
-        <a:font script="Syre" typeface="Estrangelo Edessa"/>
-        <a:font script="Sora" typeface="Nirmala UI"/>
-        <a:font script="Tale" typeface="Microsoft Tai Le"/>
-        <a:font script="Talu" typeface="Microsoft New Tai Lue"/>
-        <a:font script="Tfng" typeface="Ebrima"/>
-      </a:minorFont>
-    </a:fontScheme>
-    <a:fmtScheme name="Office">
-      <a:fillStyleLst>
-        <a:solidFill>
-          <a:schemeClr val="phClr"/>
-        </a:solidFill>
-        <a:gradFill rotWithShape="1">
-          <a:gsLst>
-            <a:gs pos="0">
-              <a:schemeClr val="phClr">
-                <a:lumMod val="110000"/>
-                <a:satMod val="105000"/>
-                <a:tint val="67000"/>
-              </a:schemeClr>
-            </a:gs>
-            <a:gs pos="50000">
-              <a:schemeClr val="phClr">
-                <a:lumMod val="105000"/>
-                <a:satMod val="103000"/>
-                <a:tint val="73000"/>
-              </a:schemeClr>
-            </a:gs>
-            <a:gs pos="100000">
-              <a:schemeClr val="phClr">
-                <a:lumMod val="105000"/>
-                <a:satMod val="109000"/>
-                <a:tint val="81000"/>
-              </a:schemeClr>
-            </a:gs>
-          </a:gsLst>
-          <a:lin ang="5400000" scaled="0"/>
-        </a:gradFill>
-        <a:gradFill rotWithShape="1">
-          <a:gsLst>
-            <a:gs pos="0">
-              <a:schemeClr val="phClr">
-                <a:satMod val="103000"/>
-                <a:lumMod val="102000"/>
-                <a:tint val="94000"/>
-              </a:schemeClr>
-            </a:gs>
-            <a:gs pos="50000">
-              <a:schemeClr val="phClr">
-                <a:satMod val="110000"/>
-                <a:lumMod val="100000"/>
-                <a:shade val="100000"/>
-              </a:schemeClr>
-            </a:gs>
-            <a:gs pos="100000">
-              <a:schemeClr val="phClr">
-                <a:lumMod val="99000"/>
-                <a:satMod val="120000"/>
-                <a:shade val="78000"/>
-              </a:schemeClr>
-            </a:gs>
-          </a:gsLst>
-          <a:lin ang="5400000" scaled="0"/>
-        </a:gradFill>
-      </a:fillStyleLst>
-      <a:lnStyleLst>
-        <a:ln w="6350" cap="flat" cmpd="sng" algn="ctr">
-          <a:solidFill>
-            <a:schemeClr val="phClr"/>
-          </a:solidFill>
-          <a:prstDash val="solid"/>
-          <a:miter lim="800000"/>
-        </a:ln>
-        <a:ln w="12700" cap="flat" cmpd="sng" algn="ctr">
-          <a:solidFill>
-            <a:schemeClr val="phClr"/>
-          </a:solidFill>
-          <a:prstDash val="solid"/>
-          <a:miter lim="800000"/>
-        </a:ln>
-        <a:ln w="19050" cap="flat" cmpd="sng" algn="ctr">
-          <a:solidFill>
-            <a:schemeClr val="phClr"/>
-          </a:solidFill>
-          <a:prstDash val="solid"/>
-          <a:miter lim="800000"/>
-        </a:ln>
-      </a:lnStyleLst>
-      <a:effectStyleLst>
-        <a:effectStyle>
-          <a:effectLst/>
-        </a:effectStyle>
-        <a:effectStyle>
-          <a:effectLst/>
-        </a:effectStyle>
-        <a:effectStyle>
-          <a:effectLst>
-            <a:outerShdw blurRad="57150" dist="19050" dir="5400000" algn="ctr" rotWithShape="0">
-              <a:srgbClr val="000000">
-                <a:alpha val="63000"/>
-              </a:srgbClr>
-            </a:outerShdw>
-          </a:effectLst>
-        </a:effectStyle>
-      </a:effectStyleLst>
-      <a:bgFillStyleLst>
-        <a:solidFill>
-          <a:schemeClr val="phClr"/>
-        </a:solidFill>
-        <a:solidFill>
-          <a:schemeClr val="phClr">
-            <a:tint val="95000"/>
-            <a:satMod val="170000"/>
-          </a:schemeClr>
-        </a:solidFill>
-        <a:gradFill rotWithShape="1">
-          <a:gsLst>
-            <a:gs pos="0">
-              <a:schemeClr val="phClr">
-                <a:tint val="93000"/>
-                <a:satMod val="150000"/>
-                <a:shade val="98000"/>
-                <a:lumMod val="102000"/>
-              </a:schemeClr>
-            </a:gs>
-            <a:gs pos="50000">
-              <a:schemeClr val="phClr">
-                <a:tint val="98000"/>
-                <a:satMod val="130000"/>
-                <a:shade val="90000"/>
-                <a:lumMod val="103000"/>
-              </a:schemeClr>
-            </a:gs>
-            <a:gs pos="100000">
-              <a:schemeClr val="phClr">
-                <a:shade val="63000"/>
-                <a:satMod val="120000"/>
-              </a:schemeClr>
-            </a:gs>
-          </a:gsLst>
-          <a:lin ang="5400000" scaled="0"/>
-        </a:gradFill>
-      </a:bgFillStyleLst>
-    </a:fmtScheme>
-  </a:themeElements>
-  <a:objectDefaults/>
-  <a:extraClrSchemeLst/>
-  <a:extLst>
-    <a:ext uri="{05A4C25C-085E-4340-85A3-A5531E510DB2}">
-      <thm15:themeFamily xmlns:thm15="http://schemas.microsoft.com/office/thememl/2012/main" name="Office Theme" id="{62F939B6-93AF-4DB8-9C6B-D6C7DFDC589F}" vid="{4A3C46E8-61CC-4603-A589-7422A47A8E4A}"/>
-    </a:ext>
-  </a:extLst>
-</a:theme>
-</file>
-
 <file path=docMetadata/LabelInfo.xml><?xml version="1.0" encoding="utf-8"?>
 <clbl:labelList xmlns:clbl="http://schemas.microsoft.com/office/2020/mipLabelMetadata">
   <clbl:label id="{f42aa342-8706-4288-bd11-ebb85995028c}" enabled="1" method="Standard" siteId="{72f988bf-86f1-41af-91ab-2d7cd011db47}" contentBits="0" removed="0"/>
